--- a/spl3(SE 801)/Proposal.pptx
+++ b/spl3(SE 801)/Proposal.pptx
@@ -2,10 +2,20 @@
 <file path=ppt/presentation.xml><?xml version="1.0" encoding="utf-8"?>
 <p:presentation xmlns:a="http://schemas.openxmlformats.org/drawingml/2006/main" xmlns:r="http://schemas.openxmlformats.org/officeDocument/2006/relationships" xmlns:p="http://schemas.openxmlformats.org/presentationml/2006/main" saveSubsetFonts="1">
   <p:sldMasterIdLst>
-    <p:sldMasterId id="2147483648" r:id="rId1"/>
+    <p:sldMasterId id="2147483660" r:id="rId1"/>
   </p:sldMasterIdLst>
+  <p:notesMasterIdLst>
+    <p:notesMasterId r:id="rId10"/>
+  </p:notesMasterIdLst>
   <p:sldIdLst>
     <p:sldId id="256" r:id="rId2"/>
+    <p:sldId id="257" r:id="rId3"/>
+    <p:sldId id="316" r:id="rId4"/>
+    <p:sldId id="317" r:id="rId5"/>
+    <p:sldId id="318" r:id="rId6"/>
+    <p:sldId id="319" r:id="rId7"/>
+    <p:sldId id="320" r:id="rId8"/>
+    <p:sldId id="321" r:id="rId9"/>
   </p:sldIdLst>
   <p:sldSz cx="12192000" cy="6858000"/>
   <p:notesSz cx="6858000" cy="9144000"/>
@@ -13,7 +23,7 @@
     <a:defPPr>
       <a:defRPr lang="en-US"/>
     </a:defPPr>
-    <a:lvl1pPr marL="0" algn="l" defTabSz="914400" rtl="0" eaLnBrk="1" latinLnBrk="0" hangingPunct="1">
+    <a:lvl1pPr marL="0" algn="l" defTabSz="457200" rtl="0" eaLnBrk="1" latinLnBrk="0" hangingPunct="1">
       <a:defRPr sz="1800" kern="1200">
         <a:solidFill>
           <a:schemeClr val="tx1"/>
@@ -23,7 +33,7 @@
         <a:cs typeface="+mn-cs"/>
       </a:defRPr>
     </a:lvl1pPr>
-    <a:lvl2pPr marL="457200" algn="l" defTabSz="914400" rtl="0" eaLnBrk="1" latinLnBrk="0" hangingPunct="1">
+    <a:lvl2pPr marL="457200" algn="l" defTabSz="457200" rtl="0" eaLnBrk="1" latinLnBrk="0" hangingPunct="1">
       <a:defRPr sz="1800" kern="1200">
         <a:solidFill>
           <a:schemeClr val="tx1"/>
@@ -33,7 +43,7 @@
         <a:cs typeface="+mn-cs"/>
       </a:defRPr>
     </a:lvl2pPr>
-    <a:lvl3pPr marL="914400" algn="l" defTabSz="914400" rtl="0" eaLnBrk="1" latinLnBrk="0" hangingPunct="1">
+    <a:lvl3pPr marL="914400" algn="l" defTabSz="457200" rtl="0" eaLnBrk="1" latinLnBrk="0" hangingPunct="1">
       <a:defRPr sz="1800" kern="1200">
         <a:solidFill>
           <a:schemeClr val="tx1"/>
@@ -43,7 +53,7 @@
         <a:cs typeface="+mn-cs"/>
       </a:defRPr>
     </a:lvl3pPr>
-    <a:lvl4pPr marL="1371600" algn="l" defTabSz="914400" rtl="0" eaLnBrk="1" latinLnBrk="0" hangingPunct="1">
+    <a:lvl4pPr marL="1371600" algn="l" defTabSz="457200" rtl="0" eaLnBrk="1" latinLnBrk="0" hangingPunct="1">
       <a:defRPr sz="1800" kern="1200">
         <a:solidFill>
           <a:schemeClr val="tx1"/>
@@ -53,7 +63,7 @@
         <a:cs typeface="+mn-cs"/>
       </a:defRPr>
     </a:lvl4pPr>
-    <a:lvl5pPr marL="1828800" algn="l" defTabSz="914400" rtl="0" eaLnBrk="1" latinLnBrk="0" hangingPunct="1">
+    <a:lvl5pPr marL="1828800" algn="l" defTabSz="457200" rtl="0" eaLnBrk="1" latinLnBrk="0" hangingPunct="1">
       <a:defRPr sz="1800" kern="1200">
         <a:solidFill>
           <a:schemeClr val="tx1"/>
@@ -63,7 +73,7 @@
         <a:cs typeface="+mn-cs"/>
       </a:defRPr>
     </a:lvl5pPr>
-    <a:lvl6pPr marL="2286000" algn="l" defTabSz="914400" rtl="0" eaLnBrk="1" latinLnBrk="0" hangingPunct="1">
+    <a:lvl6pPr marL="2286000" algn="l" defTabSz="457200" rtl="0" eaLnBrk="1" latinLnBrk="0" hangingPunct="1">
       <a:defRPr sz="1800" kern="1200">
         <a:solidFill>
           <a:schemeClr val="tx1"/>
@@ -73,7 +83,7 @@
         <a:cs typeface="+mn-cs"/>
       </a:defRPr>
     </a:lvl6pPr>
-    <a:lvl7pPr marL="2743200" algn="l" defTabSz="914400" rtl="0" eaLnBrk="1" latinLnBrk="0" hangingPunct="1">
+    <a:lvl7pPr marL="2743200" algn="l" defTabSz="457200" rtl="0" eaLnBrk="1" latinLnBrk="0" hangingPunct="1">
       <a:defRPr sz="1800" kern="1200">
         <a:solidFill>
           <a:schemeClr val="tx1"/>
@@ -83,7 +93,7 @@
         <a:cs typeface="+mn-cs"/>
       </a:defRPr>
     </a:lvl7pPr>
-    <a:lvl8pPr marL="3200400" algn="l" defTabSz="914400" rtl="0" eaLnBrk="1" latinLnBrk="0" hangingPunct="1">
+    <a:lvl8pPr marL="3200400" algn="l" defTabSz="457200" rtl="0" eaLnBrk="1" latinLnBrk="0" hangingPunct="1">
       <a:defRPr sz="1800" kern="1200">
         <a:solidFill>
           <a:schemeClr val="tx1"/>
@@ -93,7 +103,7 @@
         <a:cs typeface="+mn-cs"/>
       </a:defRPr>
     </a:lvl8pPr>
-    <a:lvl9pPr marL="3657600" algn="l" defTabSz="914400" rtl="0" eaLnBrk="1" latinLnBrk="0" hangingPunct="1">
+    <a:lvl9pPr marL="3657600" algn="l" defTabSz="457200" rtl="0" eaLnBrk="1" latinLnBrk="0" hangingPunct="1">
       <a:defRPr sz="1800" kern="1200">
         <a:solidFill>
           <a:schemeClr val="tx1"/>
@@ -104,7 +114,361 @@
       </a:defRPr>
     </a:lvl9pPr>
   </p:defaultTextStyle>
+  <p:extLst>
+    <p:ext uri="{EFAFB233-063F-42B5-8137-9DF3F51BA10A}">
+      <p15:sldGuideLst xmlns:p15="http://schemas.microsoft.com/office/powerpoint/2012/main"/>
+    </p:ext>
+  </p:extLst>
 </p:presentation>
+</file>
+
+<file path=ppt/notesMasters/notesMaster1.xml><?xml version="1.0" encoding="utf-8"?>
+<p:notesMaster xmlns:a="http://schemas.openxmlformats.org/drawingml/2006/main" xmlns:r="http://schemas.openxmlformats.org/officeDocument/2006/relationships" xmlns:p="http://schemas.openxmlformats.org/presentationml/2006/main">
+  <p:cSld>
+    <p:bg>
+      <p:bgRef idx="1001">
+        <a:schemeClr val="bg1"/>
+      </p:bgRef>
+    </p:bg>
+    <p:spTree>
+      <p:nvGrpSpPr>
+        <p:cNvPr id="1" name=""/>
+        <p:cNvGrpSpPr/>
+        <p:nvPr/>
+      </p:nvGrpSpPr>
+      <p:grpSpPr>
+        <a:xfrm>
+          <a:off x="0" y="0"/>
+          <a:ext cx="0" cy="0"/>
+          <a:chOff x="0" y="0"/>
+          <a:chExt cx="0" cy="0"/>
+        </a:xfrm>
+      </p:grpSpPr>
+      <p:sp>
+        <p:nvSpPr>
+          <p:cNvPr id="2" name="Header Placeholder 1"/>
+          <p:cNvSpPr>
+            <a:spLocks noGrp="1"/>
+          </p:cNvSpPr>
+          <p:nvPr>
+            <p:ph type="hdr" sz="quarter"/>
+          </p:nvPr>
+        </p:nvSpPr>
+        <p:spPr>
+          <a:xfrm>
+            <a:off x="0" y="0"/>
+            <a:ext cx="2971800" cy="458788"/>
+          </a:xfrm>
+          <a:prstGeom prst="rect">
+            <a:avLst/>
+          </a:prstGeom>
+        </p:spPr>
+        <p:txBody>
+          <a:bodyPr vert="horz" lIns="91440" tIns="45720" rIns="91440" bIns="45720" rtlCol="0"/>
+          <a:lstStyle>
+            <a:lvl1pPr algn="l">
+              <a:defRPr sz="1200"/>
+            </a:lvl1pPr>
+          </a:lstStyle>
+          <a:p>
+            <a:endParaRPr lang="en-US"/>
+          </a:p>
+        </p:txBody>
+      </p:sp>
+      <p:sp>
+        <p:nvSpPr>
+          <p:cNvPr id="3" name="Date Placeholder 2"/>
+          <p:cNvSpPr>
+            <a:spLocks noGrp="1"/>
+          </p:cNvSpPr>
+          <p:nvPr>
+            <p:ph type="dt" idx="1"/>
+          </p:nvPr>
+        </p:nvSpPr>
+        <p:spPr>
+          <a:xfrm>
+            <a:off x="3884613" y="0"/>
+            <a:ext cx="2971800" cy="458788"/>
+          </a:xfrm>
+          <a:prstGeom prst="rect">
+            <a:avLst/>
+          </a:prstGeom>
+        </p:spPr>
+        <p:txBody>
+          <a:bodyPr vert="horz" lIns="91440" tIns="45720" rIns="91440" bIns="45720" rtlCol="0"/>
+          <a:lstStyle>
+            <a:lvl1pPr algn="r">
+              <a:defRPr sz="1200"/>
+            </a:lvl1pPr>
+          </a:lstStyle>
+          <a:p>
+            <a:fld id="{2EF6CB78-1097-426E-8C7C-2604182960C7}" type="datetimeFigureOut">
+              <a:rPr lang="en-US" smtClean="0"/>
+              <a:t>8/5/2019</a:t>
+            </a:fld>
+            <a:endParaRPr lang="en-US"/>
+          </a:p>
+        </p:txBody>
+      </p:sp>
+      <p:sp>
+        <p:nvSpPr>
+          <p:cNvPr id="4" name="Slide Image Placeholder 3"/>
+          <p:cNvSpPr>
+            <a:spLocks noGrp="1" noRot="1" noChangeAspect="1"/>
+          </p:cNvSpPr>
+          <p:nvPr>
+            <p:ph type="sldImg" idx="2"/>
+          </p:nvPr>
+        </p:nvSpPr>
+        <p:spPr>
+          <a:xfrm>
+            <a:off x="685800" y="1143000"/>
+            <a:ext cx="5486400" cy="3086100"/>
+          </a:xfrm>
+          <a:prstGeom prst="rect">
+            <a:avLst/>
+          </a:prstGeom>
+          <a:noFill/>
+          <a:ln w="12700">
+            <a:solidFill>
+              <a:prstClr val="black"/>
+            </a:solidFill>
+          </a:ln>
+        </p:spPr>
+        <p:txBody>
+          <a:bodyPr vert="horz" lIns="91440" tIns="45720" rIns="91440" bIns="45720" rtlCol="0" anchor="ctr"/>
+          <a:lstStyle/>
+          <a:p>
+            <a:endParaRPr lang="en-US"/>
+          </a:p>
+        </p:txBody>
+      </p:sp>
+      <p:sp>
+        <p:nvSpPr>
+          <p:cNvPr id="5" name="Notes Placeholder 4"/>
+          <p:cNvSpPr>
+            <a:spLocks noGrp="1"/>
+          </p:cNvSpPr>
+          <p:nvPr>
+            <p:ph type="body" sz="quarter" idx="3"/>
+          </p:nvPr>
+        </p:nvSpPr>
+        <p:spPr>
+          <a:xfrm>
+            <a:off x="685800" y="4400550"/>
+            <a:ext cx="5486400" cy="3600450"/>
+          </a:xfrm>
+          <a:prstGeom prst="rect">
+            <a:avLst/>
+          </a:prstGeom>
+        </p:spPr>
+        <p:txBody>
+          <a:bodyPr vert="horz" lIns="91440" tIns="45720" rIns="91440" bIns="45720" rtlCol="0"/>
+          <a:lstStyle/>
+          <a:p>
+            <a:pPr lvl="0"/>
+            <a:r>
+              <a:rPr lang="en-US"/>
+              <a:t>Click to edit Master text styles</a:t>
+            </a:r>
+          </a:p>
+          <a:p>
+            <a:pPr lvl="1"/>
+            <a:r>
+              <a:rPr lang="en-US"/>
+              <a:t>Second level</a:t>
+            </a:r>
+          </a:p>
+          <a:p>
+            <a:pPr lvl="2"/>
+            <a:r>
+              <a:rPr lang="en-US"/>
+              <a:t>Third level</a:t>
+            </a:r>
+          </a:p>
+          <a:p>
+            <a:pPr lvl="3"/>
+            <a:r>
+              <a:rPr lang="en-US"/>
+              <a:t>Fourth level</a:t>
+            </a:r>
+          </a:p>
+          <a:p>
+            <a:pPr lvl="4"/>
+            <a:r>
+              <a:rPr lang="en-US"/>
+              <a:t>Fifth level</a:t>
+            </a:r>
+          </a:p>
+        </p:txBody>
+      </p:sp>
+      <p:sp>
+        <p:nvSpPr>
+          <p:cNvPr id="6" name="Footer Placeholder 5"/>
+          <p:cNvSpPr>
+            <a:spLocks noGrp="1"/>
+          </p:cNvSpPr>
+          <p:nvPr>
+            <p:ph type="ftr" sz="quarter" idx="4"/>
+          </p:nvPr>
+        </p:nvSpPr>
+        <p:spPr>
+          <a:xfrm>
+            <a:off x="0" y="8685213"/>
+            <a:ext cx="2971800" cy="458787"/>
+          </a:xfrm>
+          <a:prstGeom prst="rect">
+            <a:avLst/>
+          </a:prstGeom>
+        </p:spPr>
+        <p:txBody>
+          <a:bodyPr vert="horz" lIns="91440" tIns="45720" rIns="91440" bIns="45720" rtlCol="0" anchor="b"/>
+          <a:lstStyle>
+            <a:lvl1pPr algn="l">
+              <a:defRPr sz="1200"/>
+            </a:lvl1pPr>
+          </a:lstStyle>
+          <a:p>
+            <a:endParaRPr lang="en-US"/>
+          </a:p>
+        </p:txBody>
+      </p:sp>
+      <p:sp>
+        <p:nvSpPr>
+          <p:cNvPr id="7" name="Slide Number Placeholder 6"/>
+          <p:cNvSpPr>
+            <a:spLocks noGrp="1"/>
+          </p:cNvSpPr>
+          <p:nvPr>
+            <p:ph type="sldNum" sz="quarter" idx="5"/>
+          </p:nvPr>
+        </p:nvSpPr>
+        <p:spPr>
+          <a:xfrm>
+            <a:off x="3884613" y="8685213"/>
+            <a:ext cx="2971800" cy="458787"/>
+          </a:xfrm>
+          <a:prstGeom prst="rect">
+            <a:avLst/>
+          </a:prstGeom>
+        </p:spPr>
+        <p:txBody>
+          <a:bodyPr vert="horz" lIns="91440" tIns="45720" rIns="91440" bIns="45720" rtlCol="0" anchor="b"/>
+          <a:lstStyle>
+            <a:lvl1pPr algn="r">
+              <a:defRPr sz="1200"/>
+            </a:lvl1pPr>
+          </a:lstStyle>
+          <a:p>
+            <a:fld id="{ECDD8B39-7C4A-4ED4-8C22-AD1D04AB9E40}" type="slidenum">
+              <a:rPr lang="en-US" smtClean="0"/>
+              <a:t>‹#›</a:t>
+            </a:fld>
+            <a:endParaRPr lang="en-US"/>
+          </a:p>
+        </p:txBody>
+      </p:sp>
+    </p:spTree>
+    <p:extLst>
+      <p:ext uri="{BB962C8B-B14F-4D97-AF65-F5344CB8AC3E}">
+        <p14:creationId xmlns:p14="http://schemas.microsoft.com/office/powerpoint/2010/main" val="2488566035"/>
+      </p:ext>
+    </p:extLst>
+  </p:cSld>
+  <p:clrMap bg1="lt1" tx1="dk1" bg2="lt2" tx2="dk2" accent1="accent1" accent2="accent2" accent3="accent3" accent4="accent4" accent5="accent5" accent6="accent6" hlink="hlink" folHlink="folHlink"/>
+  <p:notesStyle>
+    <a:lvl1pPr marL="0" algn="l" defTabSz="914400" rtl="0" eaLnBrk="1" latinLnBrk="0" hangingPunct="1">
+      <a:defRPr sz="1200" kern="1200">
+        <a:solidFill>
+          <a:schemeClr val="tx1"/>
+        </a:solidFill>
+        <a:latin typeface="+mn-lt"/>
+        <a:ea typeface="+mn-ea"/>
+        <a:cs typeface="+mn-cs"/>
+      </a:defRPr>
+    </a:lvl1pPr>
+    <a:lvl2pPr marL="457200" algn="l" defTabSz="914400" rtl="0" eaLnBrk="1" latinLnBrk="0" hangingPunct="1">
+      <a:defRPr sz="1200" kern="1200">
+        <a:solidFill>
+          <a:schemeClr val="tx1"/>
+        </a:solidFill>
+        <a:latin typeface="+mn-lt"/>
+        <a:ea typeface="+mn-ea"/>
+        <a:cs typeface="+mn-cs"/>
+      </a:defRPr>
+    </a:lvl2pPr>
+    <a:lvl3pPr marL="914400" algn="l" defTabSz="914400" rtl="0" eaLnBrk="1" latinLnBrk="0" hangingPunct="1">
+      <a:defRPr sz="1200" kern="1200">
+        <a:solidFill>
+          <a:schemeClr val="tx1"/>
+        </a:solidFill>
+        <a:latin typeface="+mn-lt"/>
+        <a:ea typeface="+mn-ea"/>
+        <a:cs typeface="+mn-cs"/>
+      </a:defRPr>
+    </a:lvl3pPr>
+    <a:lvl4pPr marL="1371600" algn="l" defTabSz="914400" rtl="0" eaLnBrk="1" latinLnBrk="0" hangingPunct="1">
+      <a:defRPr sz="1200" kern="1200">
+        <a:solidFill>
+          <a:schemeClr val="tx1"/>
+        </a:solidFill>
+        <a:latin typeface="+mn-lt"/>
+        <a:ea typeface="+mn-ea"/>
+        <a:cs typeface="+mn-cs"/>
+      </a:defRPr>
+    </a:lvl4pPr>
+    <a:lvl5pPr marL="1828800" algn="l" defTabSz="914400" rtl="0" eaLnBrk="1" latinLnBrk="0" hangingPunct="1">
+      <a:defRPr sz="1200" kern="1200">
+        <a:solidFill>
+          <a:schemeClr val="tx1"/>
+        </a:solidFill>
+        <a:latin typeface="+mn-lt"/>
+        <a:ea typeface="+mn-ea"/>
+        <a:cs typeface="+mn-cs"/>
+      </a:defRPr>
+    </a:lvl5pPr>
+    <a:lvl6pPr marL="2286000" algn="l" defTabSz="914400" rtl="0" eaLnBrk="1" latinLnBrk="0" hangingPunct="1">
+      <a:defRPr sz="1200" kern="1200">
+        <a:solidFill>
+          <a:schemeClr val="tx1"/>
+        </a:solidFill>
+        <a:latin typeface="+mn-lt"/>
+        <a:ea typeface="+mn-ea"/>
+        <a:cs typeface="+mn-cs"/>
+      </a:defRPr>
+    </a:lvl6pPr>
+    <a:lvl7pPr marL="2743200" algn="l" defTabSz="914400" rtl="0" eaLnBrk="1" latinLnBrk="0" hangingPunct="1">
+      <a:defRPr sz="1200" kern="1200">
+        <a:solidFill>
+          <a:schemeClr val="tx1"/>
+        </a:solidFill>
+        <a:latin typeface="+mn-lt"/>
+        <a:ea typeface="+mn-ea"/>
+        <a:cs typeface="+mn-cs"/>
+      </a:defRPr>
+    </a:lvl7pPr>
+    <a:lvl8pPr marL="3200400" algn="l" defTabSz="914400" rtl="0" eaLnBrk="1" latinLnBrk="0" hangingPunct="1">
+      <a:defRPr sz="1200" kern="1200">
+        <a:solidFill>
+          <a:schemeClr val="tx1"/>
+        </a:solidFill>
+        <a:latin typeface="+mn-lt"/>
+        <a:ea typeface="+mn-ea"/>
+        <a:cs typeface="+mn-cs"/>
+      </a:defRPr>
+    </a:lvl8pPr>
+    <a:lvl9pPr marL="3657600" algn="l" defTabSz="914400" rtl="0" eaLnBrk="1" latinLnBrk="0" hangingPunct="1">
+      <a:defRPr sz="1200" kern="1200">
+        <a:solidFill>
+          <a:schemeClr val="tx1"/>
+        </a:solidFill>
+        <a:latin typeface="+mn-lt"/>
+        <a:ea typeface="+mn-ea"/>
+        <a:cs typeface="+mn-cs"/>
+      </a:defRPr>
+    </a:lvl9pPr>
+  </p:notesStyle>
+</p:notesMaster>
 </file>
 
 <file path=ppt/slideLayouts/slideLayout1.xml><?xml version="1.0" encoding="utf-8"?>
@@ -126,13 +490,7 @@
       </p:grpSpPr>
       <p:sp>
         <p:nvSpPr>
-          <p:cNvPr id="2" name="Title 1">
-            <a:extLst>
-              <a:ext uri="{FF2B5EF4-FFF2-40B4-BE49-F238E27FC236}">
-                <a16:creationId xmlns:a16="http://schemas.microsoft.com/office/drawing/2014/main" id="{79227D9B-D42B-4482-B548-9FE9102D8A97}"/>
-              </a:ext>
-            </a:extLst>
-          </p:cNvPr>
+          <p:cNvPr id="2" name="Title 1"/>
           <p:cNvSpPr>
             <a:spLocks noGrp="1"/>
           </p:cNvSpPr>
@@ -142,15 +500,17 @@
         </p:nvSpPr>
         <p:spPr>
           <a:xfrm>
-            <a:off x="1524000" y="1122363"/>
-            <a:ext cx="9144000" cy="2387600"/>
+            <a:off x="2417779" y="802298"/>
+            <a:ext cx="8637073" cy="2541431"/>
           </a:xfrm>
         </p:spPr>
         <p:txBody>
-          <a:bodyPr anchor="b"/>
+          <a:bodyPr bIns="0" anchor="b">
+            <a:normAutofit/>
+          </a:bodyPr>
           <a:lstStyle>
-            <a:lvl1pPr algn="ctr">
-              <a:defRPr sz="6000"/>
+            <a:lvl1pPr algn="l">
+              <a:defRPr sz="6600"/>
             </a:lvl1pPr>
           </a:lstStyle>
           <a:p>
@@ -158,18 +518,13 @@
               <a:rPr lang="en-US"/>
               <a:t>Click to edit Master title style</a:t>
             </a:r>
-          </a:p>
-        </p:txBody>
-      </p:sp>
-      <p:sp>
-        <p:nvSpPr>
-          <p:cNvPr id="3" name="Subtitle 2">
-            <a:extLst>
-              <a:ext uri="{FF2B5EF4-FFF2-40B4-BE49-F238E27FC236}">
-                <a16:creationId xmlns:a16="http://schemas.microsoft.com/office/drawing/2014/main" id="{E7EA88FE-2C56-491B-895D-E406001E828F}"/>
-              </a:ext>
-            </a:extLst>
-          </p:cNvPr>
+            <a:endParaRPr lang="en-US" dirty="0"/>
+          </a:p>
+        </p:txBody>
+      </p:sp>
+      <p:sp>
+        <p:nvSpPr>
+          <p:cNvPr id="3" name="Subtitle 2"/>
           <p:cNvSpPr>
             <a:spLocks noGrp="1"/>
           </p:cNvSpPr>
@@ -179,20 +534,26 @@
         </p:nvSpPr>
         <p:spPr>
           <a:xfrm>
-            <a:off x="1524000" y="3602038"/>
-            <a:ext cx="9144000" cy="1655762"/>
+            <a:off x="2417780" y="3531204"/>
+            <a:ext cx="8637072" cy="977621"/>
           </a:xfrm>
         </p:spPr>
         <p:txBody>
-          <a:bodyPr/>
+          <a:bodyPr tIns="91440" bIns="91440">
+            <a:normAutofit/>
+          </a:bodyPr>
           <a:lstStyle>
-            <a:lvl1pPr marL="0" indent="0" algn="ctr">
-              <a:buNone/>
-              <a:defRPr sz="2400"/>
+            <a:lvl1pPr marL="0" indent="0" algn="l">
+              <a:buNone/>
+              <a:defRPr sz="1800" b="0" cap="all" baseline="0">
+                <a:solidFill>
+                  <a:schemeClr val="tx1"/>
+                </a:solidFill>
+              </a:defRPr>
             </a:lvl1pPr>
             <a:lvl2pPr marL="457200" indent="0" algn="ctr">
               <a:buNone/>
-              <a:defRPr sz="2000"/>
+              <a:defRPr sz="1800"/>
             </a:lvl2pPr>
             <a:lvl3pPr marL="914400" indent="0" algn="ctr">
               <a:buNone/>
@@ -228,18 +589,13 @@
               <a:rPr lang="en-US"/>
               <a:t>Click to edit Master subtitle style</a:t>
             </a:r>
-          </a:p>
-        </p:txBody>
-      </p:sp>
-      <p:sp>
-        <p:nvSpPr>
-          <p:cNvPr id="4" name="Date Placeholder 3">
-            <a:extLst>
-              <a:ext uri="{FF2B5EF4-FFF2-40B4-BE49-F238E27FC236}">
-                <a16:creationId xmlns:a16="http://schemas.microsoft.com/office/drawing/2014/main" id="{8B924637-DF17-4B4E-8ECB-19EBBFBC93CF}"/>
-              </a:ext>
-            </a:extLst>
-          </p:cNvPr>
+            <a:endParaRPr lang="en-US" dirty="0"/>
+          </a:p>
+        </p:txBody>
+      </p:sp>
+      <p:sp>
+        <p:nvSpPr>
+          <p:cNvPr id="4" name="Date Placeholder 3"/>
           <p:cNvSpPr>
             <a:spLocks noGrp="1"/>
           </p:cNvSpPr>
@@ -252,7 +608,7 @@
           <a:bodyPr/>
           <a:lstStyle/>
           <a:p>
-            <a:fld id="{278444B0-48B4-4180-82C9-CF61791979C9}" type="datetimeFigureOut">
+            <a:fld id="{F404F80A-5777-40E1-BA24-22C4C3E777BA}" type="datetime1">
               <a:rPr lang="en-US" smtClean="0"/>
               <a:t>8/5/2019</a:t>
             </a:fld>
@@ -262,13 +618,7 @@
       </p:sp>
       <p:sp>
         <p:nvSpPr>
-          <p:cNvPr id="5" name="Footer Placeholder 4">
-            <a:extLst>
-              <a:ext uri="{FF2B5EF4-FFF2-40B4-BE49-F238E27FC236}">
-                <a16:creationId xmlns:a16="http://schemas.microsoft.com/office/drawing/2014/main" id="{92BED417-4024-4587-BFB5-A49CCC034B8D}"/>
-              </a:ext>
-            </a:extLst>
-          </p:cNvPr>
+          <p:cNvPr id="5" name="Footer Placeholder 4"/>
           <p:cNvSpPr>
             <a:spLocks noGrp="1"/>
           </p:cNvSpPr>
@@ -276,7 +626,12 @@
             <p:ph type="ftr" sz="quarter" idx="11"/>
           </p:nvPr>
         </p:nvSpPr>
-        <p:spPr/>
+        <p:spPr>
+          <a:xfrm>
+            <a:off x="2416500" y="329307"/>
+            <a:ext cx="4973915" cy="309201"/>
+          </a:xfrm>
+        </p:spPr>
         <p:txBody>
           <a:bodyPr/>
           <a:lstStyle/>
@@ -287,13 +642,7 @@
       </p:sp>
       <p:sp>
         <p:nvSpPr>
-          <p:cNvPr id="6" name="Slide Number Placeholder 5">
-            <a:extLst>
-              <a:ext uri="{FF2B5EF4-FFF2-40B4-BE49-F238E27FC236}">
-                <a16:creationId xmlns:a16="http://schemas.microsoft.com/office/drawing/2014/main" id="{B34F21F8-A587-4655-848E-0D60F2BE8492}"/>
-              </a:ext>
-            </a:extLst>
-          </p:cNvPr>
+          <p:cNvPr id="6" name="Slide Number Placeholder 5"/>
           <p:cNvSpPr>
             <a:spLocks noGrp="1"/>
           </p:cNvSpPr>
@@ -301,12 +650,17 @@
             <p:ph type="sldNum" sz="quarter" idx="12"/>
           </p:nvPr>
         </p:nvSpPr>
-        <p:spPr/>
-        <p:txBody>
-          <a:bodyPr/>
-          <a:lstStyle/>
-          <a:p>
-            <a:fld id="{31995C7B-30C7-4B8D-85B9-075263748EAC}" type="slidenum">
+        <p:spPr>
+          <a:xfrm>
+            <a:off x="11380981" y="483907"/>
+            <a:ext cx="811019" cy="503578"/>
+          </a:xfrm>
+        </p:spPr>
+        <p:txBody>
+          <a:bodyPr/>
+          <a:lstStyle/>
+          <a:p>
+            <a:fld id="{EB26B2EB-5A5B-4471-9DF8-C9AE5CC20329}" type="slidenum">
               <a:rPr lang="en-US" smtClean="0"/>
               <a:t>‹#›</a:t>
             </a:fld>
@@ -314,10 +668,41 @@
           </a:p>
         </p:txBody>
       </p:sp>
+      <p:cxnSp>
+        <p:nvCxnSpPr>
+          <p:cNvPr id="15" name="Straight Connector 14"/>
+          <p:cNvCxnSpPr/>
+          <p:nvPr/>
+        </p:nvCxnSpPr>
+        <p:spPr>
+          <a:xfrm>
+            <a:off x="2417780" y="3528542"/>
+            <a:ext cx="8637072" cy="0"/>
+          </a:xfrm>
+          <a:prstGeom prst="line">
+            <a:avLst/>
+          </a:prstGeom>
+          <a:ln w="31750"/>
+        </p:spPr>
+        <p:style>
+          <a:lnRef idx="3">
+            <a:schemeClr val="accent1"/>
+          </a:lnRef>
+          <a:fillRef idx="0">
+            <a:schemeClr val="accent1"/>
+          </a:fillRef>
+          <a:effectRef idx="2">
+            <a:schemeClr val="accent1"/>
+          </a:effectRef>
+          <a:fontRef idx="minor">
+            <a:schemeClr val="tx1"/>
+          </a:fontRef>
+        </p:style>
+      </p:cxnSp>
     </p:spTree>
     <p:extLst>
       <p:ext uri="{BB962C8B-B14F-4D97-AF65-F5344CB8AC3E}">
-        <p14:creationId xmlns:p14="http://schemas.microsoft.com/office/powerpoint/2010/main" val="4193076100"/>
+        <p14:creationId xmlns:p14="http://schemas.microsoft.com/office/powerpoint/2010/main" val="335997639"/>
       </p:ext>
     </p:extLst>
   </p:cSld>
@@ -346,13 +731,7 @@
       </p:grpSpPr>
       <p:sp>
         <p:nvSpPr>
-          <p:cNvPr id="2" name="Title 1">
-            <a:extLst>
-              <a:ext uri="{FF2B5EF4-FFF2-40B4-BE49-F238E27FC236}">
-                <a16:creationId xmlns:a16="http://schemas.microsoft.com/office/drawing/2014/main" id="{32F5A411-D5C1-49D2-A026-1132E6C1583E}"/>
-              </a:ext>
-            </a:extLst>
-          </p:cNvPr>
+          <p:cNvPr id="2" name="Title 1"/>
           <p:cNvSpPr>
             <a:spLocks noGrp="1"/>
           </p:cNvSpPr>
@@ -369,18 +748,13 @@
               <a:rPr lang="en-US"/>
               <a:t>Click to edit Master title style</a:t>
             </a:r>
-          </a:p>
-        </p:txBody>
-      </p:sp>
-      <p:sp>
-        <p:nvSpPr>
-          <p:cNvPr id="3" name="Vertical Text Placeholder 2">
-            <a:extLst>
-              <a:ext uri="{FF2B5EF4-FFF2-40B4-BE49-F238E27FC236}">
-                <a16:creationId xmlns:a16="http://schemas.microsoft.com/office/drawing/2014/main" id="{7CBAF94B-919C-4530-9AD3-2254BE75B59B}"/>
-              </a:ext>
-            </a:extLst>
-          </p:cNvPr>
+            <a:endParaRPr lang="en-US" dirty="0"/>
+          </a:p>
+        </p:txBody>
+      </p:sp>
+      <p:sp>
+        <p:nvSpPr>
+          <p:cNvPr id="3" name="Vertical Text Placeholder 2"/>
           <p:cNvSpPr>
             <a:spLocks noGrp="1"/>
           </p:cNvSpPr>
@@ -426,18 +800,13 @@
               <a:rPr lang="en-US"/>
               <a:t>Fifth level</a:t>
             </a:r>
-          </a:p>
-        </p:txBody>
-      </p:sp>
-      <p:sp>
-        <p:nvSpPr>
-          <p:cNvPr id="4" name="Date Placeholder 3">
-            <a:extLst>
-              <a:ext uri="{FF2B5EF4-FFF2-40B4-BE49-F238E27FC236}">
-                <a16:creationId xmlns:a16="http://schemas.microsoft.com/office/drawing/2014/main" id="{082D184B-7008-455D-9743-2598E784ED53}"/>
-              </a:ext>
-            </a:extLst>
-          </p:cNvPr>
+            <a:endParaRPr lang="en-US" dirty="0"/>
+          </a:p>
+        </p:txBody>
+      </p:sp>
+      <p:sp>
+        <p:nvSpPr>
+          <p:cNvPr id="4" name="Date Placeholder 3"/>
           <p:cNvSpPr>
             <a:spLocks noGrp="1"/>
           </p:cNvSpPr>
@@ -450,7 +819,7 @@
           <a:bodyPr/>
           <a:lstStyle/>
           <a:p>
-            <a:fld id="{278444B0-48B4-4180-82C9-CF61791979C9}" type="datetimeFigureOut">
+            <a:fld id="{3C3F922E-0C8A-4148-8F16-099EDA68E911}" type="datetime1">
               <a:rPr lang="en-US" smtClean="0"/>
               <a:t>8/5/2019</a:t>
             </a:fld>
@@ -460,13 +829,7 @@
       </p:sp>
       <p:sp>
         <p:nvSpPr>
-          <p:cNvPr id="5" name="Footer Placeholder 4">
-            <a:extLst>
-              <a:ext uri="{FF2B5EF4-FFF2-40B4-BE49-F238E27FC236}">
-                <a16:creationId xmlns:a16="http://schemas.microsoft.com/office/drawing/2014/main" id="{1517E01A-E94E-43A9-9C6B-10D974FCA818}"/>
-              </a:ext>
-            </a:extLst>
-          </p:cNvPr>
+          <p:cNvPr id="5" name="Footer Placeholder 4"/>
           <p:cNvSpPr>
             <a:spLocks noGrp="1"/>
           </p:cNvSpPr>
@@ -485,13 +848,7 @@
       </p:sp>
       <p:sp>
         <p:nvSpPr>
-          <p:cNvPr id="6" name="Slide Number Placeholder 5">
-            <a:extLst>
-              <a:ext uri="{FF2B5EF4-FFF2-40B4-BE49-F238E27FC236}">
-                <a16:creationId xmlns:a16="http://schemas.microsoft.com/office/drawing/2014/main" id="{365EE6F7-EC3B-4188-AB7D-7708099C285F}"/>
-              </a:ext>
-            </a:extLst>
-          </p:cNvPr>
+          <p:cNvPr id="6" name="Slide Number Placeholder 5"/>
           <p:cNvSpPr>
             <a:spLocks noGrp="1"/>
           </p:cNvSpPr>
@@ -504,7 +861,7 @@
           <a:bodyPr/>
           <a:lstStyle/>
           <a:p>
-            <a:fld id="{31995C7B-30C7-4B8D-85B9-075263748EAC}" type="slidenum">
+            <a:fld id="{EB26B2EB-5A5B-4471-9DF8-C9AE5CC20329}" type="slidenum">
               <a:rPr lang="en-US" smtClean="0"/>
               <a:t>‹#›</a:t>
             </a:fld>
@@ -512,10 +869,41 @@
           </a:p>
         </p:txBody>
       </p:sp>
+      <p:cxnSp>
+        <p:nvCxnSpPr>
+          <p:cNvPr id="26" name="Straight Connector 25"/>
+          <p:cNvCxnSpPr/>
+          <p:nvPr/>
+        </p:nvCxnSpPr>
+        <p:spPr>
+          <a:xfrm>
+            <a:off x="1453896" y="1847088"/>
+            <a:ext cx="9607522" cy="0"/>
+          </a:xfrm>
+          <a:prstGeom prst="line">
+            <a:avLst/>
+          </a:prstGeom>
+          <a:ln w="31750"/>
+        </p:spPr>
+        <p:style>
+          <a:lnRef idx="3">
+            <a:schemeClr val="accent1"/>
+          </a:lnRef>
+          <a:fillRef idx="0">
+            <a:schemeClr val="accent1"/>
+          </a:fillRef>
+          <a:effectRef idx="2">
+            <a:schemeClr val="accent1"/>
+          </a:effectRef>
+          <a:fontRef idx="minor">
+            <a:schemeClr val="tx1"/>
+          </a:fontRef>
+        </p:style>
+      </p:cxnSp>
     </p:spTree>
     <p:extLst>
       <p:ext uri="{BB962C8B-B14F-4D97-AF65-F5344CB8AC3E}">
-        <p14:creationId xmlns:p14="http://schemas.microsoft.com/office/powerpoint/2010/main" val="2896037281"/>
+        <p14:creationId xmlns:p14="http://schemas.microsoft.com/office/powerpoint/2010/main" val="225927605"/>
       </p:ext>
     </p:extLst>
   </p:cSld>
@@ -544,13 +932,7 @@
       </p:grpSpPr>
       <p:sp>
         <p:nvSpPr>
-          <p:cNvPr id="2" name="Vertical Title 1">
-            <a:extLst>
-              <a:ext uri="{FF2B5EF4-FFF2-40B4-BE49-F238E27FC236}">
-                <a16:creationId xmlns:a16="http://schemas.microsoft.com/office/drawing/2014/main" id="{DFACC8CE-1241-4500-B738-0BA12FAD637F}"/>
-              </a:ext>
-            </a:extLst>
-          </p:cNvPr>
+          <p:cNvPr id="2" name="Vertical Title 1"/>
           <p:cNvSpPr>
             <a:spLocks noGrp="1"/>
           </p:cNvSpPr>
@@ -560,30 +942,29 @@
         </p:nvSpPr>
         <p:spPr>
           <a:xfrm>
-            <a:off x="8724900" y="365125"/>
-            <a:ext cx="2628900" cy="5811838"/>
+            <a:off x="9439111" y="798973"/>
+            <a:ext cx="1615742" cy="4659889"/>
           </a:xfrm>
         </p:spPr>
         <p:txBody>
           <a:bodyPr vert="eaVert"/>
-          <a:lstStyle/>
+          <a:lstStyle>
+            <a:lvl1pPr algn="l">
+              <a:defRPr/>
+            </a:lvl1pPr>
+          </a:lstStyle>
           <a:p>
             <a:r>
               <a:rPr lang="en-US"/>
               <a:t>Click to edit Master title style</a:t>
             </a:r>
-          </a:p>
-        </p:txBody>
-      </p:sp>
-      <p:sp>
-        <p:nvSpPr>
-          <p:cNvPr id="3" name="Vertical Text Placeholder 2">
-            <a:extLst>
-              <a:ext uri="{FF2B5EF4-FFF2-40B4-BE49-F238E27FC236}">
-                <a16:creationId xmlns:a16="http://schemas.microsoft.com/office/drawing/2014/main" id="{47617E8D-C528-477E-AB5B-C85EC5299976}"/>
-              </a:ext>
-            </a:extLst>
-          </p:cNvPr>
+            <a:endParaRPr lang="en-US" dirty="0"/>
+          </a:p>
+        </p:txBody>
+      </p:sp>
+      <p:sp>
+        <p:nvSpPr>
+          <p:cNvPr id="3" name="Vertical Text Placeholder 2"/>
           <p:cNvSpPr>
             <a:spLocks noGrp="1"/>
           </p:cNvSpPr>
@@ -593,8 +974,8 @@
         </p:nvSpPr>
         <p:spPr>
           <a:xfrm>
-            <a:off x="838200" y="365125"/>
-            <a:ext cx="7734300" cy="5811838"/>
+            <a:off x="1444672" y="798973"/>
+            <a:ext cx="7828830" cy="4659889"/>
           </a:xfrm>
         </p:spPr>
         <p:txBody>
@@ -634,18 +1015,13 @@
               <a:rPr lang="en-US"/>
               <a:t>Fifth level</a:t>
             </a:r>
-          </a:p>
-        </p:txBody>
-      </p:sp>
-      <p:sp>
-        <p:nvSpPr>
-          <p:cNvPr id="4" name="Date Placeholder 3">
-            <a:extLst>
-              <a:ext uri="{FF2B5EF4-FFF2-40B4-BE49-F238E27FC236}">
-                <a16:creationId xmlns:a16="http://schemas.microsoft.com/office/drawing/2014/main" id="{EC71ADED-42CD-4070-AAE8-BAE18E6365BB}"/>
-              </a:ext>
-            </a:extLst>
-          </p:cNvPr>
+            <a:endParaRPr lang="en-US" dirty="0"/>
+          </a:p>
+        </p:txBody>
+      </p:sp>
+      <p:sp>
+        <p:nvSpPr>
+          <p:cNvPr id="4" name="Date Placeholder 3"/>
           <p:cNvSpPr>
             <a:spLocks noGrp="1"/>
           </p:cNvSpPr>
@@ -658,7 +1034,7 @@
           <a:bodyPr/>
           <a:lstStyle/>
           <a:p>
-            <a:fld id="{278444B0-48B4-4180-82C9-CF61791979C9}" type="datetimeFigureOut">
+            <a:fld id="{9528E524-65AA-493B-B493-F6CC9C0B35DD}" type="datetime1">
               <a:rPr lang="en-US" smtClean="0"/>
               <a:t>8/5/2019</a:t>
             </a:fld>
@@ -668,13 +1044,7 @@
       </p:sp>
       <p:sp>
         <p:nvSpPr>
-          <p:cNvPr id="5" name="Footer Placeholder 4">
-            <a:extLst>
-              <a:ext uri="{FF2B5EF4-FFF2-40B4-BE49-F238E27FC236}">
-                <a16:creationId xmlns:a16="http://schemas.microsoft.com/office/drawing/2014/main" id="{58AF8EBC-5EFA-4B37-8617-70E42A7C1CF5}"/>
-              </a:ext>
-            </a:extLst>
-          </p:cNvPr>
+          <p:cNvPr id="5" name="Footer Placeholder 4"/>
           <p:cNvSpPr>
             <a:spLocks noGrp="1"/>
           </p:cNvSpPr>
@@ -693,13 +1063,7 @@
       </p:sp>
       <p:sp>
         <p:nvSpPr>
-          <p:cNvPr id="6" name="Slide Number Placeholder 5">
-            <a:extLst>
-              <a:ext uri="{FF2B5EF4-FFF2-40B4-BE49-F238E27FC236}">
-                <a16:creationId xmlns:a16="http://schemas.microsoft.com/office/drawing/2014/main" id="{C42446D9-6521-47A6-90AB-F3125DABC866}"/>
-              </a:ext>
-            </a:extLst>
-          </p:cNvPr>
+          <p:cNvPr id="6" name="Slide Number Placeholder 5"/>
           <p:cNvSpPr>
             <a:spLocks noGrp="1"/>
           </p:cNvSpPr>
@@ -712,7 +1076,7 @@
           <a:bodyPr/>
           <a:lstStyle/>
           <a:p>
-            <a:fld id="{31995C7B-30C7-4B8D-85B9-075263748EAC}" type="slidenum">
+            <a:fld id="{EB26B2EB-5A5B-4471-9DF8-C9AE5CC20329}" type="slidenum">
               <a:rPr lang="en-US" smtClean="0"/>
               <a:t>‹#›</a:t>
             </a:fld>
@@ -720,10 +1084,41 @@
           </a:p>
         </p:txBody>
       </p:sp>
+      <p:cxnSp>
+        <p:nvCxnSpPr>
+          <p:cNvPr id="15" name="Straight Connector 14"/>
+          <p:cNvCxnSpPr/>
+          <p:nvPr/>
+        </p:nvCxnSpPr>
+        <p:spPr>
+          <a:xfrm>
+            <a:off x="9439111" y="798973"/>
+            <a:ext cx="0" cy="4659889"/>
+          </a:xfrm>
+          <a:prstGeom prst="line">
+            <a:avLst/>
+          </a:prstGeom>
+          <a:ln w="31750"/>
+        </p:spPr>
+        <p:style>
+          <a:lnRef idx="3">
+            <a:schemeClr val="accent1"/>
+          </a:lnRef>
+          <a:fillRef idx="0">
+            <a:schemeClr val="accent1"/>
+          </a:fillRef>
+          <a:effectRef idx="2">
+            <a:schemeClr val="accent1"/>
+          </a:effectRef>
+          <a:fontRef idx="minor">
+            <a:schemeClr val="tx1"/>
+          </a:fontRef>
+        </p:style>
+      </p:cxnSp>
     </p:spTree>
     <p:extLst>
       <p:ext uri="{BB962C8B-B14F-4D97-AF65-F5344CB8AC3E}">
-        <p14:creationId xmlns:p14="http://schemas.microsoft.com/office/powerpoint/2010/main" val="1685453142"/>
+        <p14:creationId xmlns:p14="http://schemas.microsoft.com/office/powerpoint/2010/main" val="2478952569"/>
       </p:ext>
     </p:extLst>
   </p:cSld>
@@ -752,13 +1147,7 @@
       </p:grpSpPr>
       <p:sp>
         <p:nvSpPr>
-          <p:cNvPr id="2" name="Title 1">
-            <a:extLst>
-              <a:ext uri="{FF2B5EF4-FFF2-40B4-BE49-F238E27FC236}">
-                <a16:creationId xmlns:a16="http://schemas.microsoft.com/office/drawing/2014/main" id="{E66A0891-E95C-4ACB-B1FD-B5801DB9EAA9}"/>
-              </a:ext>
-            </a:extLst>
-          </p:cNvPr>
+          <p:cNvPr id="2" name="Title 1"/>
           <p:cNvSpPr>
             <a:spLocks noGrp="1"/>
           </p:cNvSpPr>
@@ -775,18 +1164,13 @@
               <a:rPr lang="en-US"/>
               <a:t>Click to edit Master title style</a:t>
             </a:r>
-          </a:p>
-        </p:txBody>
-      </p:sp>
-      <p:sp>
-        <p:nvSpPr>
-          <p:cNvPr id="3" name="Content Placeholder 2">
-            <a:extLst>
-              <a:ext uri="{FF2B5EF4-FFF2-40B4-BE49-F238E27FC236}">
-                <a16:creationId xmlns:a16="http://schemas.microsoft.com/office/drawing/2014/main" id="{80574306-CBB4-466A-8ABA-EE3C68D997F9}"/>
-              </a:ext>
-            </a:extLst>
-          </p:cNvPr>
+            <a:endParaRPr lang="en-US" dirty="0"/>
+          </a:p>
+        </p:txBody>
+      </p:sp>
+      <p:sp>
+        <p:nvSpPr>
+          <p:cNvPr id="3" name="Content Placeholder 2"/>
           <p:cNvSpPr>
             <a:spLocks noGrp="1"/>
           </p:cNvSpPr>
@@ -796,7 +1180,7 @@
         </p:nvSpPr>
         <p:spPr/>
         <p:txBody>
-          <a:bodyPr/>
+          <a:bodyPr anchor="t"/>
           <a:lstStyle/>
           <a:p>
             <a:pPr lvl="0"/>
@@ -832,18 +1216,13 @@
               <a:rPr lang="en-US"/>
               <a:t>Fifth level</a:t>
             </a:r>
-          </a:p>
-        </p:txBody>
-      </p:sp>
-      <p:sp>
-        <p:nvSpPr>
-          <p:cNvPr id="4" name="Date Placeholder 3">
-            <a:extLst>
-              <a:ext uri="{FF2B5EF4-FFF2-40B4-BE49-F238E27FC236}">
-                <a16:creationId xmlns:a16="http://schemas.microsoft.com/office/drawing/2014/main" id="{B2BCB893-5D7F-4D72-BF5A-F442275E9DE3}"/>
-              </a:ext>
-            </a:extLst>
-          </p:cNvPr>
+            <a:endParaRPr lang="en-US" dirty="0"/>
+          </a:p>
+        </p:txBody>
+      </p:sp>
+      <p:sp>
+        <p:nvSpPr>
+          <p:cNvPr id="4" name="Date Placeholder 3"/>
           <p:cNvSpPr>
             <a:spLocks noGrp="1"/>
           </p:cNvSpPr>
@@ -856,7 +1235,7 @@
           <a:bodyPr/>
           <a:lstStyle/>
           <a:p>
-            <a:fld id="{278444B0-48B4-4180-82C9-CF61791979C9}" type="datetimeFigureOut">
+            <a:fld id="{88370471-0F01-4AE7-B127-CE9EC4DFB706}" type="datetime1">
               <a:rPr lang="en-US" smtClean="0"/>
               <a:t>8/5/2019</a:t>
             </a:fld>
@@ -866,13 +1245,7 @@
       </p:sp>
       <p:sp>
         <p:nvSpPr>
-          <p:cNvPr id="5" name="Footer Placeholder 4">
-            <a:extLst>
-              <a:ext uri="{FF2B5EF4-FFF2-40B4-BE49-F238E27FC236}">
-                <a16:creationId xmlns:a16="http://schemas.microsoft.com/office/drawing/2014/main" id="{A7A8DA72-F821-4C94-A38A-6FDA8436A4DE}"/>
-              </a:ext>
-            </a:extLst>
-          </p:cNvPr>
+          <p:cNvPr id="5" name="Footer Placeholder 4"/>
           <p:cNvSpPr>
             <a:spLocks noGrp="1"/>
           </p:cNvSpPr>
@@ -891,13 +1264,7 @@
       </p:sp>
       <p:sp>
         <p:nvSpPr>
-          <p:cNvPr id="6" name="Slide Number Placeholder 5">
-            <a:extLst>
-              <a:ext uri="{FF2B5EF4-FFF2-40B4-BE49-F238E27FC236}">
-                <a16:creationId xmlns:a16="http://schemas.microsoft.com/office/drawing/2014/main" id="{A8C3A34F-CFAF-4FC8-9631-E2FDABC7FC70}"/>
-              </a:ext>
-            </a:extLst>
-          </p:cNvPr>
+          <p:cNvPr id="6" name="Slide Number Placeholder 5"/>
           <p:cNvSpPr>
             <a:spLocks noGrp="1"/>
           </p:cNvSpPr>
@@ -910,7 +1277,7 @@
           <a:bodyPr/>
           <a:lstStyle/>
           <a:p>
-            <a:fld id="{31995C7B-30C7-4B8D-85B9-075263748EAC}" type="slidenum">
+            <a:fld id="{EB26B2EB-5A5B-4471-9DF8-C9AE5CC20329}" type="slidenum">
               <a:rPr lang="en-US" smtClean="0"/>
               <a:t>‹#›</a:t>
             </a:fld>
@@ -918,10 +1285,41 @@
           </a:p>
         </p:txBody>
       </p:sp>
+      <p:cxnSp>
+        <p:nvCxnSpPr>
+          <p:cNvPr id="33" name="Straight Connector 32"/>
+          <p:cNvCxnSpPr/>
+          <p:nvPr/>
+        </p:nvCxnSpPr>
+        <p:spPr>
+          <a:xfrm>
+            <a:off x="1453896" y="1847088"/>
+            <a:ext cx="9607522" cy="0"/>
+          </a:xfrm>
+          <a:prstGeom prst="line">
+            <a:avLst/>
+          </a:prstGeom>
+          <a:ln w="31750"/>
+        </p:spPr>
+        <p:style>
+          <a:lnRef idx="3">
+            <a:schemeClr val="accent1"/>
+          </a:lnRef>
+          <a:fillRef idx="0">
+            <a:schemeClr val="accent1"/>
+          </a:fillRef>
+          <a:effectRef idx="2">
+            <a:schemeClr val="accent1"/>
+          </a:effectRef>
+          <a:fontRef idx="minor">
+            <a:schemeClr val="tx1"/>
+          </a:fontRef>
+        </p:style>
+      </p:cxnSp>
     </p:spTree>
     <p:extLst>
       <p:ext uri="{BB962C8B-B14F-4D97-AF65-F5344CB8AC3E}">
-        <p14:creationId xmlns:p14="http://schemas.microsoft.com/office/powerpoint/2010/main" val="1487985209"/>
+        <p14:creationId xmlns:p14="http://schemas.microsoft.com/office/powerpoint/2010/main" val="2979407318"/>
       </p:ext>
     </p:extLst>
   </p:cSld>
@@ -950,13 +1348,7 @@
       </p:grpSpPr>
       <p:sp>
         <p:nvSpPr>
-          <p:cNvPr id="2" name="Title 1">
-            <a:extLst>
-              <a:ext uri="{FF2B5EF4-FFF2-40B4-BE49-F238E27FC236}">
-                <a16:creationId xmlns:a16="http://schemas.microsoft.com/office/drawing/2014/main" id="{74C513A5-93C9-42EF-B847-E85297C80EF6}"/>
-              </a:ext>
-            </a:extLst>
-          </p:cNvPr>
+          <p:cNvPr id="2" name="Title 1"/>
           <p:cNvSpPr>
             <a:spLocks noGrp="1"/>
           </p:cNvSpPr>
@@ -966,15 +1358,17 @@
         </p:nvSpPr>
         <p:spPr>
           <a:xfrm>
-            <a:off x="831850" y="1709738"/>
-            <a:ext cx="10515600" cy="2852737"/>
+            <a:off x="1454239" y="1756130"/>
+            <a:ext cx="8643154" cy="1887950"/>
           </a:xfrm>
         </p:spPr>
         <p:txBody>
-          <a:bodyPr anchor="b"/>
+          <a:bodyPr anchor="b">
+            <a:normAutofit/>
+          </a:bodyPr>
           <a:lstStyle>
-            <a:lvl1pPr>
-              <a:defRPr sz="6000"/>
+            <a:lvl1pPr algn="l">
+              <a:defRPr sz="3600"/>
             </a:lvl1pPr>
           </a:lstStyle>
           <a:p>
@@ -982,18 +1376,13 @@
               <a:rPr lang="en-US"/>
               <a:t>Click to edit Master title style</a:t>
             </a:r>
-          </a:p>
-        </p:txBody>
-      </p:sp>
-      <p:sp>
-        <p:nvSpPr>
-          <p:cNvPr id="3" name="Text Placeholder 2">
-            <a:extLst>
-              <a:ext uri="{FF2B5EF4-FFF2-40B4-BE49-F238E27FC236}">
-                <a16:creationId xmlns:a16="http://schemas.microsoft.com/office/drawing/2014/main" id="{F07FFD53-4F90-4333-BAAF-3619CCE43086}"/>
-              </a:ext>
-            </a:extLst>
-          </p:cNvPr>
+            <a:endParaRPr lang="en-US" dirty="0"/>
+          </a:p>
+        </p:txBody>
+      </p:sp>
+      <p:sp>
+        <p:nvSpPr>
+          <p:cNvPr id="3" name="Text Placeholder 2"/>
           <p:cNvSpPr>
             <a:spLocks noGrp="1"/>
           </p:cNvSpPr>
@@ -1003,26 +1392,26 @@
         </p:nvSpPr>
         <p:spPr>
           <a:xfrm>
-            <a:off x="831850" y="4589463"/>
-            <a:ext cx="10515600" cy="1500187"/>
+            <a:off x="1454239" y="3806195"/>
+            <a:ext cx="8630446" cy="1012929"/>
           </a:xfrm>
         </p:spPr>
         <p:txBody>
-          <a:bodyPr/>
+          <a:bodyPr tIns="91440">
+            <a:normAutofit/>
+          </a:bodyPr>
           <a:lstStyle>
-            <a:lvl1pPr marL="0" indent="0">
-              <a:buNone/>
-              <a:defRPr sz="2400">
+            <a:lvl1pPr marL="0" indent="0" algn="l">
+              <a:buNone/>
+              <a:defRPr sz="1800">
                 <a:solidFill>
-                  <a:schemeClr val="tx1">
-                    <a:tint val="75000"/>
-                  </a:schemeClr>
+                  <a:schemeClr val="tx1"/>
                 </a:solidFill>
               </a:defRPr>
             </a:lvl1pPr>
             <a:lvl2pPr marL="457200" indent="0">
               <a:buNone/>
-              <a:defRPr sz="2000">
+              <a:defRPr sz="1800">
                 <a:solidFill>
                   <a:schemeClr val="tx1">
                     <a:tint val="75000"/>
@@ -1112,13 +1501,7 @@
       </p:sp>
       <p:sp>
         <p:nvSpPr>
-          <p:cNvPr id="4" name="Date Placeholder 3">
-            <a:extLst>
-              <a:ext uri="{FF2B5EF4-FFF2-40B4-BE49-F238E27FC236}">
-                <a16:creationId xmlns:a16="http://schemas.microsoft.com/office/drawing/2014/main" id="{8C2E0111-66EF-4FED-97B6-D2312F9644CF}"/>
-              </a:ext>
-            </a:extLst>
-          </p:cNvPr>
+          <p:cNvPr id="4" name="Date Placeholder 3"/>
           <p:cNvSpPr>
             <a:spLocks noGrp="1"/>
           </p:cNvSpPr>
@@ -1131,7 +1514,7 @@
           <a:bodyPr/>
           <a:lstStyle/>
           <a:p>
-            <a:fld id="{278444B0-48B4-4180-82C9-CF61791979C9}" type="datetimeFigureOut">
+            <a:fld id="{27A1FA46-4421-42EC-A4A2-B914EEA0B134}" type="datetime1">
               <a:rPr lang="en-US" smtClean="0"/>
               <a:t>8/5/2019</a:t>
             </a:fld>
@@ -1141,13 +1524,7 @@
       </p:sp>
       <p:sp>
         <p:nvSpPr>
-          <p:cNvPr id="5" name="Footer Placeholder 4">
-            <a:extLst>
-              <a:ext uri="{FF2B5EF4-FFF2-40B4-BE49-F238E27FC236}">
-                <a16:creationId xmlns:a16="http://schemas.microsoft.com/office/drawing/2014/main" id="{21DF1FE4-F9A0-408F-8D88-AAE1A503B781}"/>
-              </a:ext>
-            </a:extLst>
-          </p:cNvPr>
+          <p:cNvPr id="5" name="Footer Placeholder 4"/>
           <p:cNvSpPr>
             <a:spLocks noGrp="1"/>
           </p:cNvSpPr>
@@ -1166,13 +1543,7 @@
       </p:sp>
       <p:sp>
         <p:nvSpPr>
-          <p:cNvPr id="6" name="Slide Number Placeholder 5">
-            <a:extLst>
-              <a:ext uri="{FF2B5EF4-FFF2-40B4-BE49-F238E27FC236}">
-                <a16:creationId xmlns:a16="http://schemas.microsoft.com/office/drawing/2014/main" id="{65A50D8F-487A-4FAB-847D-0CC016B803C0}"/>
-              </a:ext>
-            </a:extLst>
-          </p:cNvPr>
+          <p:cNvPr id="6" name="Slide Number Placeholder 5"/>
           <p:cNvSpPr>
             <a:spLocks noGrp="1"/>
           </p:cNvSpPr>
@@ -1185,7 +1556,7 @@
           <a:bodyPr/>
           <a:lstStyle/>
           <a:p>
-            <a:fld id="{31995C7B-30C7-4B8D-85B9-075263748EAC}" type="slidenum">
+            <a:fld id="{EB26B2EB-5A5B-4471-9DF8-C9AE5CC20329}" type="slidenum">
               <a:rPr lang="en-US" smtClean="0"/>
               <a:t>‹#›</a:t>
             </a:fld>
@@ -1193,10 +1564,41 @@
           </a:p>
         </p:txBody>
       </p:sp>
+      <p:cxnSp>
+        <p:nvCxnSpPr>
+          <p:cNvPr id="15" name="Straight Connector 14"/>
+          <p:cNvCxnSpPr/>
+          <p:nvPr/>
+        </p:nvCxnSpPr>
+        <p:spPr>
+          <a:xfrm>
+            <a:off x="1454239" y="3804985"/>
+            <a:ext cx="8630446" cy="0"/>
+          </a:xfrm>
+          <a:prstGeom prst="line">
+            <a:avLst/>
+          </a:prstGeom>
+          <a:ln w="31750"/>
+        </p:spPr>
+        <p:style>
+          <a:lnRef idx="3">
+            <a:schemeClr val="accent1"/>
+          </a:lnRef>
+          <a:fillRef idx="0">
+            <a:schemeClr val="accent1"/>
+          </a:fillRef>
+          <a:effectRef idx="2">
+            <a:schemeClr val="accent1"/>
+          </a:effectRef>
+          <a:fontRef idx="minor">
+            <a:schemeClr val="tx1"/>
+          </a:fontRef>
+        </p:style>
+      </p:cxnSp>
     </p:spTree>
     <p:extLst>
       <p:ext uri="{BB962C8B-B14F-4D97-AF65-F5344CB8AC3E}">
-        <p14:creationId xmlns:p14="http://schemas.microsoft.com/office/powerpoint/2010/main" val="3381920204"/>
+        <p14:creationId xmlns:p14="http://schemas.microsoft.com/office/powerpoint/2010/main" val="4159397480"/>
       </p:ext>
     </p:extLst>
   </p:cSld>
@@ -1225,114 +1627,46 @@
       </p:grpSpPr>
       <p:sp>
         <p:nvSpPr>
-          <p:cNvPr id="2" name="Title 1">
-            <a:extLst>
-              <a:ext uri="{FF2B5EF4-FFF2-40B4-BE49-F238E27FC236}">
-                <a16:creationId xmlns:a16="http://schemas.microsoft.com/office/drawing/2014/main" id="{A3FF4EE5-0EAF-46BE-A856-226E51259E83}"/>
-              </a:ext>
-            </a:extLst>
-          </p:cNvPr>
+          <p:cNvPr id="2" name="Title 1"/>
           <p:cNvSpPr>
             <a:spLocks noGrp="1"/>
           </p:cNvSpPr>
           <p:nvPr>
             <p:ph type="title"/>
-          </p:nvPr>
-        </p:nvSpPr>
-        <p:spPr/>
-        <p:txBody>
-          <a:bodyPr/>
-          <a:lstStyle/>
-          <a:p>
-            <a:r>
-              <a:rPr lang="en-US"/>
-              <a:t>Click to edit Master title style</a:t>
-            </a:r>
-          </a:p>
-        </p:txBody>
-      </p:sp>
-      <p:sp>
-        <p:nvSpPr>
-          <p:cNvPr id="3" name="Content Placeholder 2">
-            <a:extLst>
-              <a:ext uri="{FF2B5EF4-FFF2-40B4-BE49-F238E27FC236}">
-                <a16:creationId xmlns:a16="http://schemas.microsoft.com/office/drawing/2014/main" id="{D5027C6E-DCF1-4886-863D-9EB275A6156E}"/>
-              </a:ext>
-            </a:extLst>
-          </p:cNvPr>
-          <p:cNvSpPr>
-            <a:spLocks noGrp="1"/>
-          </p:cNvSpPr>
-          <p:nvPr>
-            <p:ph sz="half" idx="1"/>
           </p:nvPr>
         </p:nvSpPr>
         <p:spPr>
           <a:xfrm>
-            <a:off x="838200" y="1825625"/>
-            <a:ext cx="5181600" cy="4351338"/>
+            <a:off x="1449217" y="804889"/>
+            <a:ext cx="9605635" cy="1059305"/>
           </a:xfrm>
         </p:spPr>
         <p:txBody>
           <a:bodyPr/>
           <a:lstStyle/>
           <a:p>
-            <a:pPr lvl="0"/>
-            <a:r>
-              <a:rPr lang="en-US"/>
-              <a:t>Click to edit Master text styles</a:t>
-            </a:r>
-          </a:p>
-          <a:p>
-            <a:pPr lvl="1"/>
-            <a:r>
-              <a:rPr lang="en-US"/>
-              <a:t>Second level</a:t>
-            </a:r>
-          </a:p>
-          <a:p>
-            <a:pPr lvl="2"/>
-            <a:r>
-              <a:rPr lang="en-US"/>
-              <a:t>Third level</a:t>
-            </a:r>
-          </a:p>
-          <a:p>
-            <a:pPr lvl="3"/>
-            <a:r>
-              <a:rPr lang="en-US"/>
-              <a:t>Fourth level</a:t>
-            </a:r>
-          </a:p>
-          <a:p>
-            <a:pPr lvl="4"/>
-            <a:r>
-              <a:rPr lang="en-US"/>
-              <a:t>Fifth level</a:t>
-            </a:r>
-          </a:p>
-        </p:txBody>
-      </p:sp>
-      <p:sp>
-        <p:nvSpPr>
-          <p:cNvPr id="4" name="Content Placeholder 3">
-            <a:extLst>
-              <a:ext uri="{FF2B5EF4-FFF2-40B4-BE49-F238E27FC236}">
-                <a16:creationId xmlns:a16="http://schemas.microsoft.com/office/drawing/2014/main" id="{4ADFBE0F-891B-4AEC-AC5F-A275B6B2781D}"/>
-              </a:ext>
-            </a:extLst>
-          </p:cNvPr>
-          <p:cNvSpPr>
-            <a:spLocks noGrp="1"/>
-          </p:cNvSpPr>
-          <p:nvPr>
-            <p:ph sz="half" idx="2"/>
+            <a:r>
+              <a:rPr lang="en-US"/>
+              <a:t>Click to edit Master title style</a:t>
+            </a:r>
+            <a:endParaRPr lang="en-US" dirty="0"/>
+          </a:p>
+        </p:txBody>
+      </p:sp>
+      <p:sp>
+        <p:nvSpPr>
+          <p:cNvPr id="3" name="Content Placeholder 2"/>
+          <p:cNvSpPr>
+            <a:spLocks noGrp="1"/>
+          </p:cNvSpPr>
+          <p:nvPr>
+            <p:ph sz="half" idx="1"/>
           </p:nvPr>
         </p:nvSpPr>
         <p:spPr>
           <a:xfrm>
-            <a:off x="6172200" y="1825625"/>
-            <a:ext cx="5181600" cy="4351338"/>
+            <a:off x="1447331" y="2010878"/>
+            <a:ext cx="4645152" cy="3448595"/>
           </a:xfrm>
         </p:spPr>
         <p:txBody>
@@ -1372,18 +1706,70 @@
               <a:rPr lang="en-US"/>
               <a:t>Fifth level</a:t>
             </a:r>
-          </a:p>
-        </p:txBody>
-      </p:sp>
-      <p:sp>
-        <p:nvSpPr>
-          <p:cNvPr id="5" name="Date Placeholder 4">
-            <a:extLst>
-              <a:ext uri="{FF2B5EF4-FFF2-40B4-BE49-F238E27FC236}">
-                <a16:creationId xmlns:a16="http://schemas.microsoft.com/office/drawing/2014/main" id="{41797849-FADC-40CB-8101-0B3A100BFFEE}"/>
-              </a:ext>
-            </a:extLst>
-          </p:cNvPr>
+            <a:endParaRPr lang="en-US" dirty="0"/>
+          </a:p>
+        </p:txBody>
+      </p:sp>
+      <p:sp>
+        <p:nvSpPr>
+          <p:cNvPr id="4" name="Content Placeholder 3"/>
+          <p:cNvSpPr>
+            <a:spLocks noGrp="1"/>
+          </p:cNvSpPr>
+          <p:nvPr>
+            <p:ph sz="half" idx="2"/>
+          </p:nvPr>
+        </p:nvSpPr>
+        <p:spPr>
+          <a:xfrm>
+            <a:off x="6413771" y="2017343"/>
+            <a:ext cx="4645152" cy="3441520"/>
+          </a:xfrm>
+        </p:spPr>
+        <p:txBody>
+          <a:bodyPr/>
+          <a:lstStyle/>
+          <a:p>
+            <a:pPr lvl="0"/>
+            <a:r>
+              <a:rPr lang="en-US"/>
+              <a:t>Click to edit Master text styles</a:t>
+            </a:r>
+          </a:p>
+          <a:p>
+            <a:pPr lvl="1"/>
+            <a:r>
+              <a:rPr lang="en-US"/>
+              <a:t>Second level</a:t>
+            </a:r>
+          </a:p>
+          <a:p>
+            <a:pPr lvl="2"/>
+            <a:r>
+              <a:rPr lang="en-US"/>
+              <a:t>Third level</a:t>
+            </a:r>
+          </a:p>
+          <a:p>
+            <a:pPr lvl="3"/>
+            <a:r>
+              <a:rPr lang="en-US"/>
+              <a:t>Fourth level</a:t>
+            </a:r>
+          </a:p>
+          <a:p>
+            <a:pPr lvl="4"/>
+            <a:r>
+              <a:rPr lang="en-US"/>
+              <a:t>Fifth level</a:t>
+            </a:r>
+            <a:endParaRPr lang="en-US" dirty="0"/>
+          </a:p>
+        </p:txBody>
+      </p:sp>
+      <p:sp>
+        <p:nvSpPr>
+          <p:cNvPr id="5" name="Date Placeholder 4"/>
           <p:cNvSpPr>
             <a:spLocks noGrp="1"/>
           </p:cNvSpPr>
@@ -1396,7 +1782,7 @@
           <a:bodyPr/>
           <a:lstStyle/>
           <a:p>
-            <a:fld id="{278444B0-48B4-4180-82C9-CF61791979C9}" type="datetimeFigureOut">
+            <a:fld id="{272846A8-0C75-44CE-8648-4095C0C39162}" type="datetime1">
               <a:rPr lang="en-US" smtClean="0"/>
               <a:t>8/5/2019</a:t>
             </a:fld>
@@ -1406,13 +1792,7 @@
       </p:sp>
       <p:sp>
         <p:nvSpPr>
-          <p:cNvPr id="6" name="Footer Placeholder 5">
-            <a:extLst>
-              <a:ext uri="{FF2B5EF4-FFF2-40B4-BE49-F238E27FC236}">
-                <a16:creationId xmlns:a16="http://schemas.microsoft.com/office/drawing/2014/main" id="{0263CD8E-0A7B-4BAE-9B30-F6F9370E6E80}"/>
-              </a:ext>
-            </a:extLst>
-          </p:cNvPr>
+          <p:cNvPr id="6" name="Footer Placeholder 5"/>
           <p:cNvSpPr>
             <a:spLocks noGrp="1"/>
           </p:cNvSpPr>
@@ -1431,13 +1811,7 @@
       </p:sp>
       <p:sp>
         <p:nvSpPr>
-          <p:cNvPr id="7" name="Slide Number Placeholder 6">
-            <a:extLst>
-              <a:ext uri="{FF2B5EF4-FFF2-40B4-BE49-F238E27FC236}">
-                <a16:creationId xmlns:a16="http://schemas.microsoft.com/office/drawing/2014/main" id="{F1AE861C-5DD7-4C1D-9C97-6D6150FDEB76}"/>
-              </a:ext>
-            </a:extLst>
-          </p:cNvPr>
+          <p:cNvPr id="7" name="Slide Number Placeholder 6"/>
           <p:cNvSpPr>
             <a:spLocks noGrp="1"/>
           </p:cNvSpPr>
@@ -1450,7 +1824,7 @@
           <a:bodyPr/>
           <a:lstStyle/>
           <a:p>
-            <a:fld id="{31995C7B-30C7-4B8D-85B9-075263748EAC}" type="slidenum">
+            <a:fld id="{EB26B2EB-5A5B-4471-9DF8-C9AE5CC20329}" type="slidenum">
               <a:rPr lang="en-US" smtClean="0"/>
               <a:t>‹#›</a:t>
             </a:fld>
@@ -1458,10 +1832,41 @@
           </a:p>
         </p:txBody>
       </p:sp>
+      <p:cxnSp>
+        <p:nvCxnSpPr>
+          <p:cNvPr id="35" name="Straight Connector 34"/>
+          <p:cNvCxnSpPr/>
+          <p:nvPr/>
+        </p:nvCxnSpPr>
+        <p:spPr>
+          <a:xfrm>
+            <a:off x="1453896" y="1847088"/>
+            <a:ext cx="9607522" cy="0"/>
+          </a:xfrm>
+          <a:prstGeom prst="line">
+            <a:avLst/>
+          </a:prstGeom>
+          <a:ln w="31750"/>
+        </p:spPr>
+        <p:style>
+          <a:lnRef idx="3">
+            <a:schemeClr val="accent1"/>
+          </a:lnRef>
+          <a:fillRef idx="0">
+            <a:schemeClr val="accent1"/>
+          </a:fillRef>
+          <a:effectRef idx="2">
+            <a:schemeClr val="accent1"/>
+          </a:effectRef>
+          <a:fontRef idx="minor">
+            <a:schemeClr val="tx1"/>
+          </a:fontRef>
+        </p:style>
+      </p:cxnSp>
     </p:spTree>
     <p:extLst>
       <p:ext uri="{BB962C8B-B14F-4D97-AF65-F5344CB8AC3E}">
-        <p14:creationId xmlns:p14="http://schemas.microsoft.com/office/powerpoint/2010/main" val="140900160"/>
+        <p14:creationId xmlns:p14="http://schemas.microsoft.com/office/powerpoint/2010/main" val="3747457670"/>
       </p:ext>
     </p:extLst>
   </p:cSld>
@@ -1490,13 +1895,7 @@
       </p:grpSpPr>
       <p:sp>
         <p:nvSpPr>
-          <p:cNvPr id="2" name="Title 1">
-            <a:extLst>
-              <a:ext uri="{FF2B5EF4-FFF2-40B4-BE49-F238E27FC236}">
-                <a16:creationId xmlns:a16="http://schemas.microsoft.com/office/drawing/2014/main" id="{8334801B-046C-4A8D-8300-6572B753A10C}"/>
-              </a:ext>
-            </a:extLst>
-          </p:cNvPr>
+          <p:cNvPr id="2" name="Title 1"/>
           <p:cNvSpPr>
             <a:spLocks noGrp="1"/>
           </p:cNvSpPr>
@@ -1506,8 +1905,8 @@
         </p:nvSpPr>
         <p:spPr>
           <a:xfrm>
-            <a:off x="839788" y="365125"/>
-            <a:ext cx="10515600" cy="1325563"/>
+            <a:off x="1447191" y="804163"/>
+            <a:ext cx="9607661" cy="1056319"/>
           </a:xfrm>
         </p:spPr>
         <p:txBody>
@@ -1518,18 +1917,13 @@
               <a:rPr lang="en-US"/>
               <a:t>Click to edit Master title style</a:t>
             </a:r>
-          </a:p>
-        </p:txBody>
-      </p:sp>
-      <p:sp>
-        <p:nvSpPr>
-          <p:cNvPr id="3" name="Text Placeholder 2">
-            <a:extLst>
-              <a:ext uri="{FF2B5EF4-FFF2-40B4-BE49-F238E27FC236}">
-                <a16:creationId xmlns:a16="http://schemas.microsoft.com/office/drawing/2014/main" id="{9E9AD34E-7740-4D35-BD2F-2BFF0E0F4710}"/>
-              </a:ext>
-            </a:extLst>
-          </p:cNvPr>
+            <a:endParaRPr lang="en-US" dirty="0"/>
+          </a:p>
+        </p:txBody>
+      </p:sp>
+      <p:sp>
+        <p:nvSpPr>
+          <p:cNvPr id="3" name="Text Placeholder 2"/>
           <p:cNvSpPr>
             <a:spLocks noGrp="1"/>
           </p:cNvSpPr>
@@ -1539,16 +1933,25 @@
         </p:nvSpPr>
         <p:spPr>
           <a:xfrm>
-            <a:off x="839788" y="1681163"/>
-            <a:ext cx="5157787" cy="823912"/>
+            <a:off x="1447191" y="2019549"/>
+            <a:ext cx="4645152" cy="801943"/>
           </a:xfrm>
         </p:spPr>
         <p:txBody>
-          <a:bodyPr anchor="b"/>
+          <a:bodyPr anchor="b">
+            <a:normAutofit/>
+          </a:bodyPr>
           <a:lstStyle>
             <a:lvl1pPr marL="0" indent="0">
-              <a:buNone/>
-              <a:defRPr sz="2400" b="1"/>
+              <a:lnSpc>
+                <a:spcPct val="100000"/>
+              </a:lnSpc>
+              <a:buNone/>
+              <a:defRPr sz="2200" b="0" cap="all" baseline="0">
+                <a:solidFill>
+                  <a:schemeClr val="accent1"/>
+                </a:solidFill>
+              </a:defRPr>
             </a:lvl1pPr>
             <a:lvl2pPr marL="457200" indent="0">
               <a:buNone/>
@@ -1594,13 +1997,7 @@
       </p:sp>
       <p:sp>
         <p:nvSpPr>
-          <p:cNvPr id="4" name="Content Placeholder 3">
-            <a:extLst>
-              <a:ext uri="{FF2B5EF4-FFF2-40B4-BE49-F238E27FC236}">
-                <a16:creationId xmlns:a16="http://schemas.microsoft.com/office/drawing/2014/main" id="{FD7993C6-8934-4F1E-AB14-082784A47426}"/>
-              </a:ext>
-            </a:extLst>
-          </p:cNvPr>
+          <p:cNvPr id="4" name="Content Placeholder 3"/>
           <p:cNvSpPr>
             <a:spLocks noGrp="1"/>
           </p:cNvSpPr>
@@ -1610,8 +2007,8 @@
         </p:nvSpPr>
         <p:spPr>
           <a:xfrm>
-            <a:off x="839788" y="2505075"/>
-            <a:ext cx="5157787" cy="3684588"/>
+            <a:off x="1447191" y="2824269"/>
+            <a:ext cx="4645152" cy="2644457"/>
           </a:xfrm>
         </p:spPr>
         <p:txBody>
@@ -1651,18 +2048,13 @@
               <a:rPr lang="en-US"/>
               <a:t>Fifth level</a:t>
             </a:r>
-          </a:p>
-        </p:txBody>
-      </p:sp>
-      <p:sp>
-        <p:nvSpPr>
-          <p:cNvPr id="5" name="Text Placeholder 4">
-            <a:extLst>
-              <a:ext uri="{FF2B5EF4-FFF2-40B4-BE49-F238E27FC236}">
-                <a16:creationId xmlns:a16="http://schemas.microsoft.com/office/drawing/2014/main" id="{B059C3E9-CD04-487C-B290-7EDC5AD61494}"/>
-              </a:ext>
-            </a:extLst>
-          </p:cNvPr>
+            <a:endParaRPr lang="en-US" dirty="0"/>
+          </a:p>
+        </p:txBody>
+      </p:sp>
+      <p:sp>
+        <p:nvSpPr>
+          <p:cNvPr id="5" name="Text Placeholder 4"/>
           <p:cNvSpPr>
             <a:spLocks noGrp="1"/>
           </p:cNvSpPr>
@@ -1672,16 +2064,25 @@
         </p:nvSpPr>
         <p:spPr>
           <a:xfrm>
-            <a:off x="6172200" y="1681163"/>
-            <a:ext cx="5183188" cy="823912"/>
+            <a:off x="6412362" y="2023003"/>
+            <a:ext cx="4645152" cy="802237"/>
           </a:xfrm>
         </p:spPr>
         <p:txBody>
-          <a:bodyPr anchor="b"/>
+          <a:bodyPr anchor="b">
+            <a:normAutofit/>
+          </a:bodyPr>
           <a:lstStyle>
             <a:lvl1pPr marL="0" indent="0">
-              <a:buNone/>
-              <a:defRPr sz="2400" b="1"/>
+              <a:lnSpc>
+                <a:spcPct val="100000"/>
+              </a:lnSpc>
+              <a:buNone/>
+              <a:defRPr sz="2200" b="0" cap="all" baseline="0">
+                <a:solidFill>
+                  <a:schemeClr val="accent1"/>
+                </a:solidFill>
+              </a:defRPr>
             </a:lvl1pPr>
             <a:lvl2pPr marL="457200" indent="0">
               <a:buNone/>
@@ -1727,13 +2128,7 @@
       </p:sp>
       <p:sp>
         <p:nvSpPr>
-          <p:cNvPr id="6" name="Content Placeholder 5">
-            <a:extLst>
-              <a:ext uri="{FF2B5EF4-FFF2-40B4-BE49-F238E27FC236}">
-                <a16:creationId xmlns:a16="http://schemas.microsoft.com/office/drawing/2014/main" id="{94A2E0E9-DF9B-45A8-8BDB-A6678475A466}"/>
-              </a:ext>
-            </a:extLst>
-          </p:cNvPr>
+          <p:cNvPr id="6" name="Content Placeholder 5"/>
           <p:cNvSpPr>
             <a:spLocks noGrp="1"/>
           </p:cNvSpPr>
@@ -1743,8 +2138,8 @@
         </p:nvSpPr>
         <p:spPr>
           <a:xfrm>
-            <a:off x="6172200" y="2505075"/>
-            <a:ext cx="5183188" cy="3684588"/>
+            <a:off x="6412362" y="2821491"/>
+            <a:ext cx="4645152" cy="2637371"/>
           </a:xfrm>
         </p:spPr>
         <p:txBody>
@@ -1784,18 +2179,13 @@
               <a:rPr lang="en-US"/>
               <a:t>Fifth level</a:t>
             </a:r>
-          </a:p>
-        </p:txBody>
-      </p:sp>
-      <p:sp>
-        <p:nvSpPr>
-          <p:cNvPr id="7" name="Date Placeholder 6">
-            <a:extLst>
-              <a:ext uri="{FF2B5EF4-FFF2-40B4-BE49-F238E27FC236}">
-                <a16:creationId xmlns:a16="http://schemas.microsoft.com/office/drawing/2014/main" id="{33439C5A-B48E-4FD9-9733-2B2C1DA627E7}"/>
-              </a:ext>
-            </a:extLst>
-          </p:cNvPr>
+            <a:endParaRPr lang="en-US" dirty="0"/>
+          </a:p>
+        </p:txBody>
+      </p:sp>
+      <p:sp>
+        <p:nvSpPr>
+          <p:cNvPr id="7" name="Date Placeholder 6"/>
           <p:cNvSpPr>
             <a:spLocks noGrp="1"/>
           </p:cNvSpPr>
@@ -1808,7 +2198,7 @@
           <a:bodyPr/>
           <a:lstStyle/>
           <a:p>
-            <a:fld id="{278444B0-48B4-4180-82C9-CF61791979C9}" type="datetimeFigureOut">
+            <a:fld id="{09902209-6E5F-4F29-9133-3163DEB67464}" type="datetime1">
               <a:rPr lang="en-US" smtClean="0"/>
               <a:t>8/5/2019</a:t>
             </a:fld>
@@ -1818,13 +2208,7 @@
       </p:sp>
       <p:sp>
         <p:nvSpPr>
-          <p:cNvPr id="8" name="Footer Placeholder 7">
-            <a:extLst>
-              <a:ext uri="{FF2B5EF4-FFF2-40B4-BE49-F238E27FC236}">
-                <a16:creationId xmlns:a16="http://schemas.microsoft.com/office/drawing/2014/main" id="{E793E506-CFBD-43C2-B035-2E45BF55B8D8}"/>
-              </a:ext>
-            </a:extLst>
-          </p:cNvPr>
+          <p:cNvPr id="8" name="Footer Placeholder 7"/>
           <p:cNvSpPr>
             <a:spLocks noGrp="1"/>
           </p:cNvSpPr>
@@ -1843,13 +2227,7 @@
       </p:sp>
       <p:sp>
         <p:nvSpPr>
-          <p:cNvPr id="9" name="Slide Number Placeholder 8">
-            <a:extLst>
-              <a:ext uri="{FF2B5EF4-FFF2-40B4-BE49-F238E27FC236}">
-                <a16:creationId xmlns:a16="http://schemas.microsoft.com/office/drawing/2014/main" id="{1210B1E9-5F16-4B6F-861C-EDE64782104D}"/>
-              </a:ext>
-            </a:extLst>
-          </p:cNvPr>
+          <p:cNvPr id="9" name="Slide Number Placeholder 8"/>
           <p:cNvSpPr>
             <a:spLocks noGrp="1"/>
           </p:cNvSpPr>
@@ -1862,7 +2240,7 @@
           <a:bodyPr/>
           <a:lstStyle/>
           <a:p>
-            <a:fld id="{31995C7B-30C7-4B8D-85B9-075263748EAC}" type="slidenum">
+            <a:fld id="{EB26B2EB-5A5B-4471-9DF8-C9AE5CC20329}" type="slidenum">
               <a:rPr lang="en-US" smtClean="0"/>
               <a:t>‹#›</a:t>
             </a:fld>
@@ -1870,10 +2248,41 @@
           </a:p>
         </p:txBody>
       </p:sp>
+      <p:cxnSp>
+        <p:nvCxnSpPr>
+          <p:cNvPr id="29" name="Straight Connector 28"/>
+          <p:cNvCxnSpPr/>
+          <p:nvPr/>
+        </p:nvCxnSpPr>
+        <p:spPr>
+          <a:xfrm>
+            <a:off x="1453896" y="1847088"/>
+            <a:ext cx="9607522" cy="0"/>
+          </a:xfrm>
+          <a:prstGeom prst="line">
+            <a:avLst/>
+          </a:prstGeom>
+          <a:ln w="31750"/>
+        </p:spPr>
+        <p:style>
+          <a:lnRef idx="3">
+            <a:schemeClr val="accent1"/>
+          </a:lnRef>
+          <a:fillRef idx="0">
+            <a:schemeClr val="accent1"/>
+          </a:fillRef>
+          <a:effectRef idx="2">
+            <a:schemeClr val="accent1"/>
+          </a:effectRef>
+          <a:fontRef idx="minor">
+            <a:schemeClr val="tx1"/>
+          </a:fontRef>
+        </p:style>
+      </p:cxnSp>
     </p:spTree>
     <p:extLst>
       <p:ext uri="{BB962C8B-B14F-4D97-AF65-F5344CB8AC3E}">
-        <p14:creationId xmlns:p14="http://schemas.microsoft.com/office/powerpoint/2010/main" val="1182918287"/>
+        <p14:creationId xmlns:p14="http://schemas.microsoft.com/office/powerpoint/2010/main" val="3733383899"/>
       </p:ext>
     </p:extLst>
   </p:cSld>
@@ -1902,13 +2311,7 @@
       </p:grpSpPr>
       <p:sp>
         <p:nvSpPr>
-          <p:cNvPr id="2" name="Title 1">
-            <a:extLst>
-              <a:ext uri="{FF2B5EF4-FFF2-40B4-BE49-F238E27FC236}">
-                <a16:creationId xmlns:a16="http://schemas.microsoft.com/office/drawing/2014/main" id="{AD28DB0C-2236-4778-818C-49E7BBC962CD}"/>
-              </a:ext>
-            </a:extLst>
-          </p:cNvPr>
+          <p:cNvPr id="2" name="Title 1"/>
           <p:cNvSpPr>
             <a:spLocks noGrp="1"/>
           </p:cNvSpPr>
@@ -1925,18 +2328,13 @@
               <a:rPr lang="en-US"/>
               <a:t>Click to edit Master title style</a:t>
             </a:r>
-          </a:p>
-        </p:txBody>
-      </p:sp>
-      <p:sp>
-        <p:nvSpPr>
-          <p:cNvPr id="3" name="Date Placeholder 2">
-            <a:extLst>
-              <a:ext uri="{FF2B5EF4-FFF2-40B4-BE49-F238E27FC236}">
-                <a16:creationId xmlns:a16="http://schemas.microsoft.com/office/drawing/2014/main" id="{6E336DD4-E781-4688-8150-BA790FBC36F5}"/>
-              </a:ext>
-            </a:extLst>
-          </p:cNvPr>
+            <a:endParaRPr lang="en-US" dirty="0"/>
+          </a:p>
+        </p:txBody>
+      </p:sp>
+      <p:sp>
+        <p:nvSpPr>
+          <p:cNvPr id="3" name="Date Placeholder 2"/>
           <p:cNvSpPr>
             <a:spLocks noGrp="1"/>
           </p:cNvSpPr>
@@ -1949,7 +2347,7 @@
           <a:bodyPr/>
           <a:lstStyle/>
           <a:p>
-            <a:fld id="{278444B0-48B4-4180-82C9-CF61791979C9}" type="datetimeFigureOut">
+            <a:fld id="{FAA2203A-9BBA-413F-8E47-D21B2E6FDA2C}" type="datetime1">
               <a:rPr lang="en-US" smtClean="0"/>
               <a:t>8/5/2019</a:t>
             </a:fld>
@@ -1959,13 +2357,7 @@
       </p:sp>
       <p:sp>
         <p:nvSpPr>
-          <p:cNvPr id="4" name="Footer Placeholder 3">
-            <a:extLst>
-              <a:ext uri="{FF2B5EF4-FFF2-40B4-BE49-F238E27FC236}">
-                <a16:creationId xmlns:a16="http://schemas.microsoft.com/office/drawing/2014/main" id="{201DC530-19BF-4042-B221-55831E362199}"/>
-              </a:ext>
-            </a:extLst>
-          </p:cNvPr>
+          <p:cNvPr id="4" name="Footer Placeholder 3"/>
           <p:cNvSpPr>
             <a:spLocks noGrp="1"/>
           </p:cNvSpPr>
@@ -1984,13 +2376,7 @@
       </p:sp>
       <p:sp>
         <p:nvSpPr>
-          <p:cNvPr id="5" name="Slide Number Placeholder 4">
-            <a:extLst>
-              <a:ext uri="{FF2B5EF4-FFF2-40B4-BE49-F238E27FC236}">
-                <a16:creationId xmlns:a16="http://schemas.microsoft.com/office/drawing/2014/main" id="{802B1A9E-44B1-4C52-9269-9E8A116B897C}"/>
-              </a:ext>
-            </a:extLst>
-          </p:cNvPr>
+          <p:cNvPr id="5" name="Slide Number Placeholder 4"/>
           <p:cNvSpPr>
             <a:spLocks noGrp="1"/>
           </p:cNvSpPr>
@@ -2003,7 +2389,7 @@
           <a:bodyPr/>
           <a:lstStyle/>
           <a:p>
-            <a:fld id="{31995C7B-30C7-4B8D-85B9-075263748EAC}" type="slidenum">
+            <a:fld id="{EB26B2EB-5A5B-4471-9DF8-C9AE5CC20329}" type="slidenum">
               <a:rPr lang="en-US" smtClean="0"/>
               <a:t>‹#›</a:t>
             </a:fld>
@@ -2011,10 +2397,41 @@
           </a:p>
         </p:txBody>
       </p:sp>
+      <p:cxnSp>
+        <p:nvCxnSpPr>
+          <p:cNvPr id="25" name="Straight Connector 24"/>
+          <p:cNvCxnSpPr/>
+          <p:nvPr/>
+        </p:nvCxnSpPr>
+        <p:spPr>
+          <a:xfrm>
+            <a:off x="1453896" y="1847088"/>
+            <a:ext cx="9607522" cy="0"/>
+          </a:xfrm>
+          <a:prstGeom prst="line">
+            <a:avLst/>
+          </a:prstGeom>
+          <a:ln w="31750"/>
+        </p:spPr>
+        <p:style>
+          <a:lnRef idx="3">
+            <a:schemeClr val="accent1"/>
+          </a:lnRef>
+          <a:fillRef idx="0">
+            <a:schemeClr val="accent1"/>
+          </a:fillRef>
+          <a:effectRef idx="2">
+            <a:schemeClr val="accent1"/>
+          </a:effectRef>
+          <a:fontRef idx="minor">
+            <a:schemeClr val="tx1"/>
+          </a:fontRef>
+        </p:style>
+      </p:cxnSp>
     </p:spTree>
     <p:extLst>
       <p:ext uri="{BB962C8B-B14F-4D97-AF65-F5344CB8AC3E}">
-        <p14:creationId xmlns:p14="http://schemas.microsoft.com/office/powerpoint/2010/main" val="3579388890"/>
+        <p14:creationId xmlns:p14="http://schemas.microsoft.com/office/powerpoint/2010/main" val="4291516566"/>
       </p:ext>
     </p:extLst>
   </p:cSld>
@@ -2043,13 +2460,7 @@
       </p:grpSpPr>
       <p:sp>
         <p:nvSpPr>
-          <p:cNvPr id="2" name="Date Placeholder 1">
-            <a:extLst>
-              <a:ext uri="{FF2B5EF4-FFF2-40B4-BE49-F238E27FC236}">
-                <a16:creationId xmlns:a16="http://schemas.microsoft.com/office/drawing/2014/main" id="{C91B5DFF-D346-43C4-A650-FECFFA3E3909}"/>
-              </a:ext>
-            </a:extLst>
-          </p:cNvPr>
+          <p:cNvPr id="2" name="Date Placeholder 1"/>
           <p:cNvSpPr>
             <a:spLocks noGrp="1"/>
           </p:cNvSpPr>
@@ -2062,7 +2473,7 @@
           <a:bodyPr/>
           <a:lstStyle/>
           <a:p>
-            <a:fld id="{278444B0-48B4-4180-82C9-CF61791979C9}" type="datetimeFigureOut">
+            <a:fld id="{DB277ED0-2404-4E00-BD7B-52946278BDD6}" type="datetime1">
               <a:rPr lang="en-US" smtClean="0"/>
               <a:t>8/5/2019</a:t>
             </a:fld>
@@ -2072,13 +2483,7 @@
       </p:sp>
       <p:sp>
         <p:nvSpPr>
-          <p:cNvPr id="3" name="Footer Placeholder 2">
-            <a:extLst>
-              <a:ext uri="{FF2B5EF4-FFF2-40B4-BE49-F238E27FC236}">
-                <a16:creationId xmlns:a16="http://schemas.microsoft.com/office/drawing/2014/main" id="{D658D382-75CC-4F1D-9CC7-48E1B2310554}"/>
-              </a:ext>
-            </a:extLst>
-          </p:cNvPr>
+          <p:cNvPr id="3" name="Footer Placeholder 2"/>
           <p:cNvSpPr>
             <a:spLocks noGrp="1"/>
           </p:cNvSpPr>
@@ -2097,13 +2502,7 @@
       </p:sp>
       <p:sp>
         <p:nvSpPr>
-          <p:cNvPr id="4" name="Slide Number Placeholder 3">
-            <a:extLst>
-              <a:ext uri="{FF2B5EF4-FFF2-40B4-BE49-F238E27FC236}">
-                <a16:creationId xmlns:a16="http://schemas.microsoft.com/office/drawing/2014/main" id="{0ABEC905-4061-4CB2-9C73-5CC6A32EC9B5}"/>
-              </a:ext>
-            </a:extLst>
-          </p:cNvPr>
+          <p:cNvPr id="4" name="Slide Number Placeholder 3"/>
           <p:cNvSpPr>
             <a:spLocks noGrp="1"/>
           </p:cNvSpPr>
@@ -2116,7 +2515,7 @@
           <a:bodyPr/>
           <a:lstStyle/>
           <a:p>
-            <a:fld id="{31995C7B-30C7-4B8D-85B9-075263748EAC}" type="slidenum">
+            <a:fld id="{EB26B2EB-5A5B-4471-9DF8-C9AE5CC20329}" type="slidenum">
               <a:rPr lang="en-US" smtClean="0"/>
               <a:t>‹#›</a:t>
             </a:fld>
@@ -2127,7 +2526,7 @@
     </p:spTree>
     <p:extLst>
       <p:ext uri="{BB962C8B-B14F-4D97-AF65-F5344CB8AC3E}">
-        <p14:creationId xmlns:p14="http://schemas.microsoft.com/office/powerpoint/2010/main" val="1657709831"/>
+        <p14:creationId xmlns:p14="http://schemas.microsoft.com/office/powerpoint/2010/main" val="853544881"/>
       </p:ext>
     </p:extLst>
   </p:cSld>
@@ -2156,13 +2555,7 @@
       </p:grpSpPr>
       <p:sp>
         <p:nvSpPr>
-          <p:cNvPr id="2" name="Title 1">
-            <a:extLst>
-              <a:ext uri="{FF2B5EF4-FFF2-40B4-BE49-F238E27FC236}">
-                <a16:creationId xmlns:a16="http://schemas.microsoft.com/office/drawing/2014/main" id="{D92F3084-FF87-4C58-A96B-8756E9D48DD1}"/>
-              </a:ext>
-            </a:extLst>
-          </p:cNvPr>
+          <p:cNvPr id="2" name="Title 1"/>
           <p:cNvSpPr>
             <a:spLocks noGrp="1"/>
           </p:cNvSpPr>
@@ -2172,15 +2565,17 @@
         </p:nvSpPr>
         <p:spPr>
           <a:xfrm>
-            <a:off x="839788" y="457200"/>
-            <a:ext cx="3932237" cy="1600200"/>
+            <a:off x="1444671" y="798973"/>
+            <a:ext cx="3273099" cy="2247117"/>
           </a:xfrm>
         </p:spPr>
         <p:txBody>
-          <a:bodyPr anchor="b"/>
+          <a:bodyPr anchor="b">
+            <a:normAutofit/>
+          </a:bodyPr>
           <a:lstStyle>
-            <a:lvl1pPr>
-              <a:defRPr sz="3200"/>
+            <a:lvl1pPr algn="l">
+              <a:defRPr sz="2400"/>
             </a:lvl1pPr>
           </a:lstStyle>
           <a:p>
@@ -2188,18 +2583,13 @@
               <a:rPr lang="en-US"/>
               <a:t>Click to edit Master title style</a:t>
             </a:r>
-          </a:p>
-        </p:txBody>
-      </p:sp>
-      <p:sp>
-        <p:nvSpPr>
-          <p:cNvPr id="3" name="Content Placeholder 2">
-            <a:extLst>
-              <a:ext uri="{FF2B5EF4-FFF2-40B4-BE49-F238E27FC236}">
-                <a16:creationId xmlns:a16="http://schemas.microsoft.com/office/drawing/2014/main" id="{36EDB8FA-0412-4593-92FE-916DA23A3735}"/>
-              </a:ext>
-            </a:extLst>
-          </p:cNvPr>
+            <a:endParaRPr lang="en-US" dirty="0"/>
+          </a:p>
+        </p:txBody>
+      </p:sp>
+      <p:sp>
+        <p:nvSpPr>
+          <p:cNvPr id="3" name="Content Placeholder 2"/>
           <p:cNvSpPr>
             <a:spLocks noGrp="1"/>
           </p:cNvSpPr>
@@ -2209,41 +2599,13 @@
         </p:nvSpPr>
         <p:spPr>
           <a:xfrm>
-            <a:off x="5183188" y="987425"/>
-            <a:ext cx="6172200" cy="4873625"/>
+            <a:off x="5043714" y="798974"/>
+            <a:ext cx="6012470" cy="4658826"/>
           </a:xfrm>
         </p:spPr>
         <p:txBody>
-          <a:bodyPr/>
-          <a:lstStyle>
-            <a:lvl1pPr>
-              <a:defRPr sz="3200"/>
-            </a:lvl1pPr>
-            <a:lvl2pPr>
-              <a:defRPr sz="2800"/>
-            </a:lvl2pPr>
-            <a:lvl3pPr>
-              <a:defRPr sz="2400"/>
-            </a:lvl3pPr>
-            <a:lvl4pPr>
-              <a:defRPr sz="2000"/>
-            </a:lvl4pPr>
-            <a:lvl5pPr>
-              <a:defRPr sz="2000"/>
-            </a:lvl5pPr>
-            <a:lvl6pPr>
-              <a:defRPr sz="2000"/>
-            </a:lvl6pPr>
-            <a:lvl7pPr>
-              <a:defRPr sz="2000"/>
-            </a:lvl7pPr>
-            <a:lvl8pPr>
-              <a:defRPr sz="2000"/>
-            </a:lvl8pPr>
-            <a:lvl9pPr>
-              <a:defRPr sz="2000"/>
-            </a:lvl9pPr>
-          </a:lstStyle>
+          <a:bodyPr anchor="ctr"/>
+          <a:lstStyle/>
           <a:p>
             <a:pPr lvl="0"/>
             <a:r>
@@ -2278,18 +2640,13 @@
               <a:rPr lang="en-US"/>
               <a:t>Fifth level</a:t>
             </a:r>
-          </a:p>
-        </p:txBody>
-      </p:sp>
-      <p:sp>
-        <p:nvSpPr>
-          <p:cNvPr id="4" name="Text Placeholder 3">
-            <a:extLst>
-              <a:ext uri="{FF2B5EF4-FFF2-40B4-BE49-F238E27FC236}">
-                <a16:creationId xmlns:a16="http://schemas.microsoft.com/office/drawing/2014/main" id="{3DB14304-DB3D-486E-A49A-0CAF12C6B29C}"/>
-              </a:ext>
-            </a:extLst>
-          </p:cNvPr>
+            <a:endParaRPr lang="en-US" dirty="0"/>
+          </a:p>
+        </p:txBody>
+      </p:sp>
+      <p:sp>
+        <p:nvSpPr>
+          <p:cNvPr id="4" name="Text Placeholder 3"/>
           <p:cNvSpPr>
             <a:spLocks noGrp="1"/>
           </p:cNvSpPr>
@@ -2299,14 +2656,14 @@
         </p:nvSpPr>
         <p:spPr>
           <a:xfrm>
-            <a:off x="839788" y="2057400"/>
-            <a:ext cx="3932237" cy="3811588"/>
+            <a:off x="1444671" y="3205491"/>
+            <a:ext cx="3275013" cy="2248181"/>
           </a:xfrm>
         </p:spPr>
         <p:txBody>
           <a:bodyPr/>
           <a:lstStyle>
-            <a:lvl1pPr marL="0" indent="0">
+            <a:lvl1pPr marL="0" indent="0" algn="l">
               <a:buNone/>
               <a:defRPr sz="1600"/>
             </a:lvl1pPr>
@@ -2354,13 +2711,7 @@
       </p:sp>
       <p:sp>
         <p:nvSpPr>
-          <p:cNvPr id="5" name="Date Placeholder 4">
-            <a:extLst>
-              <a:ext uri="{FF2B5EF4-FFF2-40B4-BE49-F238E27FC236}">
-                <a16:creationId xmlns:a16="http://schemas.microsoft.com/office/drawing/2014/main" id="{8334B098-88AC-4D1D-8B19-5C02508E2258}"/>
-              </a:ext>
-            </a:extLst>
-          </p:cNvPr>
+          <p:cNvPr id="5" name="Date Placeholder 4"/>
           <p:cNvSpPr>
             <a:spLocks noGrp="1"/>
           </p:cNvSpPr>
@@ -2373,7 +2724,7 @@
           <a:bodyPr/>
           <a:lstStyle/>
           <a:p>
-            <a:fld id="{278444B0-48B4-4180-82C9-CF61791979C9}" type="datetimeFigureOut">
+            <a:fld id="{A9F38DD7-8EA2-4610-BD86-062FF789449C}" type="datetime1">
               <a:rPr lang="en-US" smtClean="0"/>
               <a:t>8/5/2019</a:t>
             </a:fld>
@@ -2383,13 +2734,7 @@
       </p:sp>
       <p:sp>
         <p:nvSpPr>
-          <p:cNvPr id="6" name="Footer Placeholder 5">
-            <a:extLst>
-              <a:ext uri="{FF2B5EF4-FFF2-40B4-BE49-F238E27FC236}">
-                <a16:creationId xmlns:a16="http://schemas.microsoft.com/office/drawing/2014/main" id="{1DB8001F-AD7B-4E32-9A2C-55DB603E03AA}"/>
-              </a:ext>
-            </a:extLst>
-          </p:cNvPr>
+          <p:cNvPr id="6" name="Footer Placeholder 5"/>
           <p:cNvSpPr>
             <a:spLocks noGrp="1"/>
           </p:cNvSpPr>
@@ -2408,13 +2753,7 @@
       </p:sp>
       <p:sp>
         <p:nvSpPr>
-          <p:cNvPr id="7" name="Slide Number Placeholder 6">
-            <a:extLst>
-              <a:ext uri="{FF2B5EF4-FFF2-40B4-BE49-F238E27FC236}">
-                <a16:creationId xmlns:a16="http://schemas.microsoft.com/office/drawing/2014/main" id="{1D3B35C7-6E39-4DBE-8A06-F3455431467C}"/>
-              </a:ext>
-            </a:extLst>
-          </p:cNvPr>
+          <p:cNvPr id="7" name="Slide Number Placeholder 6"/>
           <p:cNvSpPr>
             <a:spLocks noGrp="1"/>
           </p:cNvSpPr>
@@ -2427,7 +2766,7 @@
           <a:bodyPr/>
           <a:lstStyle/>
           <a:p>
-            <a:fld id="{31995C7B-30C7-4B8D-85B9-075263748EAC}" type="slidenum">
+            <a:fld id="{EB26B2EB-5A5B-4471-9DF8-C9AE5CC20329}" type="slidenum">
               <a:rPr lang="en-US" smtClean="0"/>
               <a:t>‹#›</a:t>
             </a:fld>
@@ -2435,10 +2774,41 @@
           </a:p>
         </p:txBody>
       </p:sp>
+      <p:cxnSp>
+        <p:nvCxnSpPr>
+          <p:cNvPr id="17" name="Straight Connector 16"/>
+          <p:cNvCxnSpPr/>
+          <p:nvPr/>
+        </p:nvCxnSpPr>
+        <p:spPr>
+          <a:xfrm>
+            <a:off x="1448280" y="3205491"/>
+            <a:ext cx="3269490" cy="0"/>
+          </a:xfrm>
+          <a:prstGeom prst="line">
+            <a:avLst/>
+          </a:prstGeom>
+          <a:ln w="31750"/>
+        </p:spPr>
+        <p:style>
+          <a:lnRef idx="3">
+            <a:schemeClr val="accent1"/>
+          </a:lnRef>
+          <a:fillRef idx="0">
+            <a:schemeClr val="accent1"/>
+          </a:fillRef>
+          <a:effectRef idx="2">
+            <a:schemeClr val="accent1"/>
+          </a:effectRef>
+          <a:fontRef idx="minor">
+            <a:schemeClr val="tx1"/>
+          </a:fontRef>
+        </p:style>
+      </p:cxnSp>
     </p:spTree>
     <p:extLst>
       <p:ext uri="{BB962C8B-B14F-4D97-AF65-F5344CB8AC3E}">
-        <p14:creationId xmlns:p14="http://schemas.microsoft.com/office/powerpoint/2010/main" val="1558534170"/>
+        <p14:creationId xmlns:p14="http://schemas.microsoft.com/office/powerpoint/2010/main" val="4207135348"/>
       </p:ext>
     </p:extLst>
   </p:cSld>
@@ -2465,15 +2835,143 @@
           <a:chExt cx="0" cy="0"/>
         </a:xfrm>
       </p:grpSpPr>
-      <p:sp>
-        <p:nvSpPr>
-          <p:cNvPr id="2" name="Title 1">
-            <a:extLst>
-              <a:ext uri="{FF2B5EF4-FFF2-40B4-BE49-F238E27FC236}">
-                <a16:creationId xmlns:a16="http://schemas.microsoft.com/office/drawing/2014/main" id="{7509CE71-A3BB-41F2-AFF3-9A295F0AE360}"/>
-              </a:ext>
-            </a:extLst>
-          </p:cNvPr>
+      <p:grpSp>
+        <p:nvGrpSpPr>
+          <p:cNvPr id="8" name="Group 7"/>
+          <p:cNvGrpSpPr/>
+          <p:nvPr/>
+        </p:nvGrpSpPr>
+        <p:grpSpPr>
+          <a:xfrm>
+            <a:off x="7477387" y="482170"/>
+            <a:ext cx="4074533" cy="5149101"/>
+            <a:chOff x="7477387" y="482170"/>
+            <a:chExt cx="4074533" cy="5149101"/>
+          </a:xfrm>
+        </p:grpSpPr>
+        <p:sp>
+          <p:nvSpPr>
+            <p:cNvPr id="18" name="Rectangle 17"/>
+            <p:cNvSpPr/>
+            <p:nvPr/>
+          </p:nvSpPr>
+          <p:spPr bwMode="black">
+            <a:xfrm>
+              <a:off x="7477387" y="482170"/>
+              <a:ext cx="4074533" cy="5149101"/>
+            </a:xfrm>
+            <a:prstGeom prst="rect">
+              <a:avLst/>
+            </a:prstGeom>
+            <a:gradFill>
+              <a:gsLst>
+                <a:gs pos="0">
+                  <a:srgbClr val="000001"/>
+                </a:gs>
+                <a:gs pos="100000">
+                  <a:srgbClr val="191919"/>
+                </a:gs>
+              </a:gsLst>
+            </a:gradFill>
+            <a:ln w="76200" cmpd="sng">
+              <a:noFill/>
+              <a:miter lim="800000"/>
+            </a:ln>
+            <a:effectLst>
+              <a:outerShdw blurRad="127000" dist="228600" dir="4740000" sx="98000" sy="98000" algn="tl" rotWithShape="0">
+                <a:srgbClr val="000000">
+                  <a:alpha val="34000"/>
+                </a:srgbClr>
+              </a:outerShdw>
+            </a:effectLst>
+            <a:scene3d>
+              <a:camera prst="orthographicFront"/>
+              <a:lightRig rig="threePt" dir="t"/>
+            </a:scene3d>
+            <a:sp3d>
+              <a:bevelT w="152400" h="50800" prst="softRound"/>
+            </a:sp3d>
+          </p:spPr>
+          <p:style>
+            <a:lnRef idx="1">
+              <a:schemeClr val="accent1"/>
+            </a:lnRef>
+            <a:fillRef idx="3">
+              <a:schemeClr val="accent1"/>
+            </a:fillRef>
+            <a:effectRef idx="2">
+              <a:schemeClr val="accent1"/>
+            </a:effectRef>
+            <a:fontRef idx="minor">
+              <a:schemeClr val="lt1"/>
+            </a:fontRef>
+          </p:style>
+        </p:sp>
+        <p:sp>
+          <p:nvSpPr>
+            <p:cNvPr id="19" name="Rectangle 18"/>
+            <p:cNvSpPr/>
+            <p:nvPr/>
+          </p:nvSpPr>
+          <p:spPr bwMode="blackWhite">
+            <a:xfrm>
+              <a:off x="7790446" y="812506"/>
+              <a:ext cx="3450289" cy="4466452"/>
+            </a:xfrm>
+            <a:prstGeom prst="rect">
+              <a:avLst/>
+            </a:prstGeom>
+            <a:gradFill>
+              <a:gsLst>
+                <a:gs pos="0">
+                  <a:srgbClr val="DADADA"/>
+                </a:gs>
+                <a:gs pos="100000">
+                  <a:srgbClr val="FFFFFE"/>
+                </a:gs>
+              </a:gsLst>
+              <a:lin ang="16200000" scaled="0"/>
+            </a:gradFill>
+            <a:ln w="50800" cmpd="sng">
+              <a:solidFill>
+                <a:srgbClr val="191919"/>
+              </a:solidFill>
+              <a:miter lim="800000"/>
+            </a:ln>
+            <a:effectLst>
+              <a:innerShdw blurRad="63500" dist="88900" dir="14100000">
+                <a:srgbClr val="000000">
+                  <a:alpha val="30000"/>
+                </a:srgbClr>
+              </a:innerShdw>
+            </a:effectLst>
+            <a:scene3d>
+              <a:camera prst="orthographicFront"/>
+              <a:lightRig rig="threePt" dir="t"/>
+            </a:scene3d>
+            <a:sp3d>
+              <a:bevelT prst="relaxedInset"/>
+            </a:sp3d>
+          </p:spPr>
+          <p:style>
+            <a:lnRef idx="1">
+              <a:schemeClr val="accent1"/>
+            </a:lnRef>
+            <a:fillRef idx="3">
+              <a:schemeClr val="accent1"/>
+            </a:fillRef>
+            <a:effectRef idx="2">
+              <a:schemeClr val="accent1"/>
+            </a:effectRef>
+            <a:fontRef idx="minor">
+              <a:schemeClr val="lt1"/>
+            </a:fontRef>
+          </p:style>
+        </p:sp>
+      </p:grpSp>
+      <p:sp>
+        <p:nvSpPr>
+          <p:cNvPr id="2" name="Title 1"/>
           <p:cNvSpPr>
             <a:spLocks noGrp="1"/>
           </p:cNvSpPr>
@@ -2483,12 +2981,14 @@
         </p:nvSpPr>
         <p:spPr>
           <a:xfrm>
-            <a:off x="839788" y="457200"/>
-            <a:ext cx="3932237" cy="1600200"/>
+            <a:off x="1451206" y="1129513"/>
+            <a:ext cx="5532328" cy="1830584"/>
           </a:xfrm>
         </p:spPr>
         <p:txBody>
-          <a:bodyPr anchor="b"/>
+          <a:bodyPr anchor="b">
+            <a:normAutofit/>
+          </a:bodyPr>
           <a:lstStyle>
             <a:lvl1pPr>
               <a:defRPr sz="3200"/>
@@ -2499,20 +2999,15 @@
               <a:rPr lang="en-US"/>
               <a:t>Click to edit Master title style</a:t>
             </a:r>
-          </a:p>
-        </p:txBody>
-      </p:sp>
-      <p:sp>
-        <p:nvSpPr>
-          <p:cNvPr id="3" name="Picture Placeholder 2">
-            <a:extLst>
-              <a:ext uri="{FF2B5EF4-FFF2-40B4-BE49-F238E27FC236}">
-                <a16:creationId xmlns:a16="http://schemas.microsoft.com/office/drawing/2014/main" id="{84C10F34-E13A-403A-8B43-EE121DADE05B}"/>
-              </a:ext>
-            </a:extLst>
-          </p:cNvPr>
-          <p:cNvSpPr>
-            <a:spLocks noGrp="1"/>
+            <a:endParaRPr lang="en-US" dirty="0"/>
+          </a:p>
+        </p:txBody>
+      </p:sp>
+      <p:sp>
+        <p:nvSpPr>
+          <p:cNvPr id="3" name="Picture Placeholder 2"/>
+          <p:cNvSpPr>
+            <a:spLocks noGrp="1" noChangeAspect="1"/>
           </p:cNvSpPr>
           <p:nvPr>
             <p:ph type="pic" idx="1"/>
@@ -2520,14 +3015,24 @@
         </p:nvSpPr>
         <p:spPr>
           <a:xfrm>
-            <a:off x="5183188" y="987425"/>
-            <a:ext cx="6172200" cy="4873625"/>
+            <a:off x="8124389" y="1122542"/>
+            <a:ext cx="2791171" cy="3866327"/>
           </a:xfrm>
+          <a:solidFill>
+            <a:schemeClr val="bg1">
+              <a:lumMod val="85000"/>
+            </a:schemeClr>
+          </a:solidFill>
+          <a:ln w="9525" cap="sq">
+            <a:noFill/>
+            <a:miter lim="800000"/>
+          </a:ln>
+          <a:effectLst/>
         </p:spPr>
         <p:txBody>
-          <a:bodyPr/>
+          <a:bodyPr anchor="t"/>
           <a:lstStyle>
-            <a:lvl1pPr marL="0" indent="0">
+            <a:lvl1pPr marL="0" indent="0" algn="ctr">
               <a:buNone/>
               <a:defRPr sz="3200"/>
             </a:lvl1pPr>
@@ -2565,19 +3070,17 @@
             </a:lvl9pPr>
           </a:lstStyle>
           <a:p>
-            <a:endParaRPr lang="en-US"/>
-          </a:p>
-        </p:txBody>
-      </p:sp>
-      <p:sp>
-        <p:nvSpPr>
-          <p:cNvPr id="4" name="Text Placeholder 3">
-            <a:extLst>
-              <a:ext uri="{FF2B5EF4-FFF2-40B4-BE49-F238E27FC236}">
-                <a16:creationId xmlns:a16="http://schemas.microsoft.com/office/drawing/2014/main" id="{5D8DBE9D-05C3-4086-9CCA-A39C9AE52A6B}"/>
-              </a:ext>
-            </a:extLst>
-          </p:cNvPr>
+            <a:r>
+              <a:rPr lang="en-US"/>
+              <a:t>Click icon to add picture</a:t>
+            </a:r>
+            <a:endParaRPr lang="en-US" dirty="0"/>
+          </a:p>
+        </p:txBody>
+      </p:sp>
+      <p:sp>
+        <p:nvSpPr>
+          <p:cNvPr id="4" name="Text Placeholder 3"/>
           <p:cNvSpPr>
             <a:spLocks noGrp="1"/>
           </p:cNvSpPr>
@@ -2587,16 +3090,18 @@
         </p:nvSpPr>
         <p:spPr>
           <a:xfrm>
-            <a:off x="839788" y="2057400"/>
-            <a:ext cx="3932237" cy="3811588"/>
+            <a:off x="1450329" y="3145992"/>
+            <a:ext cx="5524404" cy="2003742"/>
           </a:xfrm>
         </p:spPr>
         <p:txBody>
-          <a:bodyPr/>
+          <a:bodyPr>
+            <a:normAutofit/>
+          </a:bodyPr>
           <a:lstStyle>
-            <a:lvl1pPr marL="0" indent="0">
-              <a:buNone/>
-              <a:defRPr sz="1600"/>
+            <a:lvl1pPr marL="0" indent="0" algn="l">
+              <a:buNone/>
+              <a:defRPr sz="1800"/>
             </a:lvl1pPr>
             <a:lvl2pPr marL="457200" indent="0">
               <a:buNone/>
@@ -2642,13 +3147,7 @@
       </p:sp>
       <p:sp>
         <p:nvSpPr>
-          <p:cNvPr id="5" name="Date Placeholder 4">
-            <a:extLst>
-              <a:ext uri="{FF2B5EF4-FFF2-40B4-BE49-F238E27FC236}">
-                <a16:creationId xmlns:a16="http://schemas.microsoft.com/office/drawing/2014/main" id="{99598841-12A3-469C-8069-519EC2B80815}"/>
-              </a:ext>
-            </a:extLst>
-          </p:cNvPr>
+          <p:cNvPr id="5" name="Date Placeholder 4"/>
           <p:cNvSpPr>
             <a:spLocks noGrp="1"/>
           </p:cNvSpPr>
@@ -2656,12 +3155,21 @@
             <p:ph type="dt" sz="half" idx="10"/>
           </p:nvPr>
         </p:nvSpPr>
-        <p:spPr/>
-        <p:txBody>
-          <a:bodyPr/>
-          <a:lstStyle/>
-          <a:p>
-            <a:fld id="{278444B0-48B4-4180-82C9-CF61791979C9}" type="datetimeFigureOut">
+        <p:spPr>
+          <a:xfrm>
+            <a:off x="1447382" y="5469856"/>
+            <a:ext cx="5527351" cy="320123"/>
+          </a:xfrm>
+        </p:spPr>
+        <p:txBody>
+          <a:bodyPr/>
+          <a:lstStyle>
+            <a:lvl1pPr algn="l">
+              <a:defRPr/>
+            </a:lvl1pPr>
+          </a:lstStyle>
+          <a:p>
+            <a:fld id="{2CFD3287-7151-410F-8C45-01C967729529}" type="datetime1">
               <a:rPr lang="en-US" smtClean="0"/>
               <a:t>8/5/2019</a:t>
             </a:fld>
@@ -2671,13 +3179,7 @@
       </p:sp>
       <p:sp>
         <p:nvSpPr>
-          <p:cNvPr id="6" name="Footer Placeholder 5">
-            <a:extLst>
-              <a:ext uri="{FF2B5EF4-FFF2-40B4-BE49-F238E27FC236}">
-                <a16:creationId xmlns:a16="http://schemas.microsoft.com/office/drawing/2014/main" id="{F59D297A-9FA3-4821-BD7F-2C4528655872}"/>
-              </a:ext>
-            </a:extLst>
-          </p:cNvPr>
+          <p:cNvPr id="6" name="Footer Placeholder 5"/>
           <p:cNvSpPr>
             <a:spLocks noGrp="1"/>
           </p:cNvSpPr>
@@ -2685,37 +3187,36 @@
             <p:ph type="ftr" sz="quarter" idx="11"/>
           </p:nvPr>
         </p:nvSpPr>
+        <p:spPr>
+          <a:xfrm>
+            <a:off x="1447382" y="318640"/>
+            <a:ext cx="5541004" cy="320931"/>
+          </a:xfrm>
+        </p:spPr>
+        <p:txBody>
+          <a:bodyPr/>
+          <a:lstStyle/>
+          <a:p>
+            <a:endParaRPr lang="en-US"/>
+          </a:p>
+        </p:txBody>
+      </p:sp>
+      <p:sp>
+        <p:nvSpPr>
+          <p:cNvPr id="7" name="Slide Number Placeholder 6"/>
+          <p:cNvSpPr>
+            <a:spLocks noGrp="1"/>
+          </p:cNvSpPr>
+          <p:nvPr>
+            <p:ph type="sldNum" sz="quarter" idx="12"/>
+          </p:nvPr>
+        </p:nvSpPr>
         <p:spPr/>
         <p:txBody>
           <a:bodyPr/>
           <a:lstStyle/>
           <a:p>
-            <a:endParaRPr lang="en-US"/>
-          </a:p>
-        </p:txBody>
-      </p:sp>
-      <p:sp>
-        <p:nvSpPr>
-          <p:cNvPr id="7" name="Slide Number Placeholder 6">
-            <a:extLst>
-              <a:ext uri="{FF2B5EF4-FFF2-40B4-BE49-F238E27FC236}">
-                <a16:creationId xmlns:a16="http://schemas.microsoft.com/office/drawing/2014/main" id="{16240720-CF9D-4202-8F55-320D33D2D9EC}"/>
-              </a:ext>
-            </a:extLst>
-          </p:cNvPr>
-          <p:cNvSpPr>
-            <a:spLocks noGrp="1"/>
-          </p:cNvSpPr>
-          <p:nvPr>
-            <p:ph type="sldNum" sz="quarter" idx="12"/>
-          </p:nvPr>
-        </p:nvSpPr>
-        <p:spPr/>
-        <p:txBody>
-          <a:bodyPr/>
-          <a:lstStyle/>
-          <a:p>
-            <a:fld id="{31995C7B-30C7-4B8D-85B9-075263748EAC}" type="slidenum">
+            <a:fld id="{EB26B2EB-5A5B-4471-9DF8-C9AE5CC20329}" type="slidenum">
               <a:rPr lang="en-US" smtClean="0"/>
               <a:t>‹#›</a:t>
             </a:fld>
@@ -2723,10 +3224,41 @@
           </a:p>
         </p:txBody>
       </p:sp>
+      <p:cxnSp>
+        <p:nvCxnSpPr>
+          <p:cNvPr id="31" name="Straight Connector 30"/>
+          <p:cNvCxnSpPr/>
+          <p:nvPr/>
+        </p:nvCxnSpPr>
+        <p:spPr>
+          <a:xfrm>
+            <a:off x="1447382" y="3143605"/>
+            <a:ext cx="5527351" cy="0"/>
+          </a:xfrm>
+          <a:prstGeom prst="line">
+            <a:avLst/>
+          </a:prstGeom>
+          <a:ln w="31750"/>
+        </p:spPr>
+        <p:style>
+          <a:lnRef idx="3">
+            <a:schemeClr val="accent1"/>
+          </a:lnRef>
+          <a:fillRef idx="0">
+            <a:schemeClr val="accent1"/>
+          </a:fillRef>
+          <a:effectRef idx="2">
+            <a:schemeClr val="accent1"/>
+          </a:effectRef>
+          <a:fontRef idx="minor">
+            <a:schemeClr val="tx1"/>
+          </a:fontRef>
+        </p:style>
+      </p:cxnSp>
     </p:spTree>
     <p:extLst>
       <p:ext uri="{BB962C8B-B14F-4D97-AF65-F5344CB8AC3E}">
-        <p14:creationId xmlns:p14="http://schemas.microsoft.com/office/powerpoint/2010/main" val="804206743"/>
+        <p14:creationId xmlns:p14="http://schemas.microsoft.com/office/powerpoint/2010/main" val="761875840"/>
       </p:ext>
     </p:extLst>
   </p:cSld>
@@ -2737,11 +3269,11 @@
 </file>
 
 <file path=ppt/slideMasters/slideMaster1.xml><?xml version="1.0" encoding="utf-8"?>
-<p:sldMaster xmlns:a="http://schemas.openxmlformats.org/drawingml/2006/main" xmlns:r="http://schemas.openxmlformats.org/officeDocument/2006/relationships" xmlns:p="http://schemas.openxmlformats.org/presentationml/2006/main">
+<p:sldMaster xmlns:a="http://schemas.openxmlformats.org/drawingml/2006/main" xmlns:r="http://schemas.openxmlformats.org/officeDocument/2006/relationships" xmlns:p="http://schemas.openxmlformats.org/presentationml/2006/main" preserve="1">
   <p:cSld>
     <p:bg>
-      <p:bgRef idx="1001">
-        <a:schemeClr val="bg1"/>
+      <p:bgRef idx="1003">
+        <a:schemeClr val="bg2"/>
       </p:bgRef>
     </p:bg>
     <p:spTree>
@@ -2760,139 +3292,201 @@
       </p:grpSpPr>
       <p:sp>
         <p:nvSpPr>
-          <p:cNvPr id="2" name="Title Placeholder 1">
+          <p:cNvPr id="8" name="Rectangle 7"/>
+          <p:cNvSpPr/>
+          <p:nvPr/>
+        </p:nvSpPr>
+        <p:spPr>
+          <a:xfrm>
+            <a:off x="0" y="2019476"/>
+            <a:ext cx="12192000" cy="4105941"/>
+          </a:xfrm>
+          <a:prstGeom prst="rect">
+            <a:avLst/>
+          </a:prstGeom>
+          <a:gradFill flip="none" rotWithShape="1">
+            <a:gsLst>
+              <a:gs pos="0">
+                <a:schemeClr val="bg2">
+                  <a:alpha val="0"/>
+                </a:schemeClr>
+              </a:gs>
+              <a:gs pos="100000">
+                <a:schemeClr val="bg2"/>
+              </a:gs>
+            </a:gsLst>
+            <a:lin ang="5400000" scaled="0"/>
+            <a:tileRect/>
+          </a:gradFill>
+          <a:ln>
+            <a:noFill/>
+          </a:ln>
+        </p:spPr>
+        <p:style>
+          <a:lnRef idx="2">
+            <a:schemeClr val="accent1">
+              <a:shade val="50000"/>
+            </a:schemeClr>
+          </a:lnRef>
+          <a:fillRef idx="1">
+            <a:schemeClr val="accent1"/>
+          </a:fillRef>
+          <a:effectRef idx="0">
+            <a:schemeClr val="accent1"/>
+          </a:effectRef>
+          <a:fontRef idx="minor">
+            <a:schemeClr val="lt1"/>
+          </a:fontRef>
+        </p:style>
+      </p:sp>
+      <p:pic>
+        <p:nvPicPr>
+          <p:cNvPr id="7" name="Picture 6"/>
+          <p:cNvPicPr>
+            <a:picLocks noChangeAspect="1"/>
+          </p:cNvPicPr>
+          <p:nvPr/>
+        </p:nvPicPr>
+        <p:blipFill rotWithShape="1">
+          <a:blip r:embed="rId13">
             <a:extLst>
-              <a:ext uri="{FF2B5EF4-FFF2-40B4-BE49-F238E27FC236}">
-                <a16:creationId xmlns:a16="http://schemas.microsoft.com/office/drawing/2014/main" id="{676B84AF-FDA3-4D34-9E89-AEC8B25F24C5}"/>
+              <a:ext uri="{28A0092B-C50C-407E-A947-70E740481C1C}">
+                <a14:useLocalDpi xmlns:a14="http://schemas.microsoft.com/office/drawing/2010/main" val="0"/>
               </a:ext>
             </a:extLst>
-          </p:cNvPr>
-          <p:cNvSpPr>
-            <a:spLocks noGrp="1"/>
-          </p:cNvSpPr>
-          <p:nvPr>
-            <p:ph type="title"/>
-          </p:nvPr>
-        </p:nvSpPr>
-        <p:spPr>
+          </a:blip>
+          <a:srcRect t="1538" b="-1538"/>
+          <a:stretch/>
+        </p:blipFill>
+        <p:spPr bwMode="black">
           <a:xfrm>
-            <a:off x="838200" y="365125"/>
-            <a:ext cx="10515600" cy="1325563"/>
+            <a:off x="0" y="6126480"/>
+            <a:ext cx="12192000" cy="742950"/>
           </a:xfrm>
           <a:prstGeom prst="rect">
             <a:avLst/>
           </a:prstGeom>
         </p:spPr>
-        <p:txBody>
-          <a:bodyPr vert="horz" lIns="91440" tIns="45720" rIns="91440" bIns="45720" rtlCol="0" anchor="ctr">
-            <a:normAutofit/>
-          </a:bodyPr>
-          <a:lstStyle/>
-          <a:p>
-            <a:r>
-              <a:rPr lang="en-US"/>
-              <a:t>Click to edit Master title style</a:t>
-            </a:r>
-          </a:p>
-        </p:txBody>
-      </p:sp>
-      <p:sp>
-        <p:nvSpPr>
-          <p:cNvPr id="3" name="Text Placeholder 2">
-            <a:extLst>
-              <a:ext uri="{FF2B5EF4-FFF2-40B4-BE49-F238E27FC236}">
-                <a16:creationId xmlns:a16="http://schemas.microsoft.com/office/drawing/2014/main" id="{DE102E57-37CF-440B-96B7-87572C97B4B5}"/>
-              </a:ext>
-            </a:extLst>
-          </p:cNvPr>
-          <p:cNvSpPr>
-            <a:spLocks noGrp="1"/>
-          </p:cNvSpPr>
-          <p:nvPr>
-            <p:ph type="body" idx="1"/>
+      </p:pic>
+      <p:sp>
+        <p:nvSpPr>
+          <p:cNvPr id="2" name="Title Placeholder 1"/>
+          <p:cNvSpPr>
+            <a:spLocks noGrp="1"/>
+          </p:cNvSpPr>
+          <p:nvPr>
+            <p:ph type="title"/>
           </p:nvPr>
         </p:nvSpPr>
         <p:spPr>
           <a:xfrm>
-            <a:off x="838200" y="1825625"/>
-            <a:ext cx="10515600" cy="4351338"/>
+            <a:off x="1451579" y="804519"/>
+            <a:ext cx="9603275" cy="1049235"/>
           </a:xfrm>
           <a:prstGeom prst="rect">
             <a:avLst/>
           </a:prstGeom>
         </p:spPr>
         <p:txBody>
-          <a:bodyPr vert="horz" lIns="91440" tIns="45720" rIns="91440" bIns="45720" rtlCol="0">
+          <a:bodyPr vert="horz" lIns="91440" tIns="45720" rIns="91440" bIns="45720" rtlCol="0" anchor="t">
             <a:normAutofit/>
           </a:bodyPr>
           <a:lstStyle/>
           <a:p>
-            <a:pPr lvl="0"/>
-            <a:r>
-              <a:rPr lang="en-US"/>
-              <a:t>Click to edit Master text styles</a:t>
-            </a:r>
-          </a:p>
-          <a:p>
-            <a:pPr lvl="1"/>
-            <a:r>
-              <a:rPr lang="en-US"/>
-              <a:t>Second level</a:t>
-            </a:r>
-          </a:p>
-          <a:p>
-            <a:pPr lvl="2"/>
-            <a:r>
-              <a:rPr lang="en-US"/>
-              <a:t>Third level</a:t>
-            </a:r>
-          </a:p>
-          <a:p>
-            <a:pPr lvl="3"/>
-            <a:r>
-              <a:rPr lang="en-US"/>
-              <a:t>Fourth level</a:t>
-            </a:r>
-          </a:p>
-          <a:p>
-            <a:pPr lvl="4"/>
-            <a:r>
-              <a:rPr lang="en-US"/>
-              <a:t>Fifth level</a:t>
-            </a:r>
-          </a:p>
-        </p:txBody>
-      </p:sp>
-      <p:sp>
-        <p:nvSpPr>
-          <p:cNvPr id="4" name="Date Placeholder 3">
-            <a:extLst>
-              <a:ext uri="{FF2B5EF4-FFF2-40B4-BE49-F238E27FC236}">
-                <a16:creationId xmlns:a16="http://schemas.microsoft.com/office/drawing/2014/main" id="{5748A159-24C1-44F4-8DAE-907E4748FECA}"/>
-              </a:ext>
-            </a:extLst>
-          </p:cNvPr>
-          <p:cNvSpPr>
-            <a:spLocks noGrp="1"/>
-          </p:cNvSpPr>
-          <p:nvPr>
-            <p:ph type="dt" sz="half" idx="2"/>
+            <a:r>
+              <a:rPr lang="en-US"/>
+              <a:t>Click to edit Master title style</a:t>
+            </a:r>
+            <a:endParaRPr lang="en-US" dirty="0"/>
+          </a:p>
+        </p:txBody>
+      </p:sp>
+      <p:sp>
+        <p:nvSpPr>
+          <p:cNvPr id="3" name="Text Placeholder 2"/>
+          <p:cNvSpPr>
+            <a:spLocks noGrp="1"/>
+          </p:cNvSpPr>
+          <p:nvPr>
+            <p:ph type="body" idx="1"/>
           </p:nvPr>
         </p:nvSpPr>
         <p:spPr>
           <a:xfrm>
-            <a:off x="838200" y="6356350"/>
-            <a:ext cx="2743200" cy="365125"/>
+            <a:off x="1451579" y="2015732"/>
+            <a:ext cx="9603275" cy="3450613"/>
           </a:xfrm>
           <a:prstGeom prst="rect">
             <a:avLst/>
           </a:prstGeom>
         </p:spPr>
         <p:txBody>
+          <a:bodyPr vert="horz" lIns="91440" tIns="45720" rIns="91440" bIns="45720" rtlCol="0">
+            <a:normAutofit/>
+          </a:bodyPr>
+          <a:lstStyle/>
+          <a:p>
+            <a:pPr lvl="0"/>
+            <a:r>
+              <a:rPr lang="en-US"/>
+              <a:t>Click to edit Master text styles</a:t>
+            </a:r>
+          </a:p>
+          <a:p>
+            <a:pPr lvl="1"/>
+            <a:r>
+              <a:rPr lang="en-US"/>
+              <a:t>Second level</a:t>
+            </a:r>
+          </a:p>
+          <a:p>
+            <a:pPr lvl="2"/>
+            <a:r>
+              <a:rPr lang="en-US"/>
+              <a:t>Third level</a:t>
+            </a:r>
+          </a:p>
+          <a:p>
+            <a:pPr lvl="3"/>
+            <a:r>
+              <a:rPr lang="en-US"/>
+              <a:t>Fourth level</a:t>
+            </a:r>
+          </a:p>
+          <a:p>
+            <a:pPr lvl="4"/>
+            <a:r>
+              <a:rPr lang="en-US"/>
+              <a:t>Fifth level</a:t>
+            </a:r>
+            <a:endParaRPr lang="en-US" dirty="0"/>
+          </a:p>
+        </p:txBody>
+      </p:sp>
+      <p:sp>
+        <p:nvSpPr>
+          <p:cNvPr id="4" name="Date Placeholder 3"/>
+          <p:cNvSpPr>
+            <a:spLocks noGrp="1"/>
+          </p:cNvSpPr>
+          <p:nvPr>
+            <p:ph type="dt" sz="half" idx="2"/>
+          </p:nvPr>
+        </p:nvSpPr>
+        <p:spPr>
+          <a:xfrm>
+            <a:off x="7554138" y="330370"/>
+            <a:ext cx="3500715" cy="309201"/>
+          </a:xfrm>
+          <a:prstGeom prst="rect">
+            <a:avLst/>
+          </a:prstGeom>
+        </p:spPr>
+        <p:txBody>
           <a:bodyPr vert="horz" lIns="91440" tIns="45720" rIns="91440" bIns="45720" rtlCol="0" anchor="ctr"/>
           <a:lstStyle>
-            <a:lvl1pPr algn="l">
-              <a:defRPr sz="1200">
+            <a:lvl1pPr algn="r">
+              <a:defRPr sz="1000">
                 <a:solidFill>
                   <a:schemeClr val="tx1">
                     <a:tint val="75000"/>
@@ -2902,7 +3496,7 @@
             </a:lvl1pPr>
           </a:lstStyle>
           <a:p>
-            <a:fld id="{278444B0-48B4-4180-82C9-CF61791979C9}" type="datetimeFigureOut">
+            <a:fld id="{7D52D4D8-6B86-4373-AC00-06146CE81612}" type="datetime1">
               <a:rPr lang="en-US" smtClean="0"/>
               <a:t>8/5/2019</a:t>
             </a:fld>
@@ -2912,13 +3506,7 @@
       </p:sp>
       <p:sp>
         <p:nvSpPr>
-          <p:cNvPr id="5" name="Footer Placeholder 4">
-            <a:extLst>
-              <a:ext uri="{FF2B5EF4-FFF2-40B4-BE49-F238E27FC236}">
-                <a16:creationId xmlns:a16="http://schemas.microsoft.com/office/drawing/2014/main" id="{1BDE7D5B-4AE2-4460-BA36-F600770C3C5D}"/>
-              </a:ext>
-            </a:extLst>
-          </p:cNvPr>
+          <p:cNvPr id="5" name="Footer Placeholder 4"/>
           <p:cNvSpPr>
             <a:spLocks noGrp="1"/>
           </p:cNvSpPr>
@@ -2928,8 +3516,8 @@
         </p:nvSpPr>
         <p:spPr>
           <a:xfrm>
-            <a:off x="4038600" y="6356350"/>
-            <a:ext cx="4114800" cy="365125"/>
+            <a:off x="1451579" y="329307"/>
+            <a:ext cx="5938836" cy="309201"/>
           </a:xfrm>
           <a:prstGeom prst="rect">
             <a:avLst/>
@@ -2938,8 +3526,8 @@
         <p:txBody>
           <a:bodyPr vert="horz" lIns="91440" tIns="45720" rIns="91440" bIns="45720" rtlCol="0" anchor="ctr"/>
           <a:lstStyle>
-            <a:lvl1pPr algn="ctr">
-              <a:defRPr sz="1200">
+            <a:lvl1pPr algn="l">
+              <a:defRPr sz="1000">
                 <a:solidFill>
                   <a:schemeClr val="tx1">
                     <a:tint val="75000"/>
@@ -2955,13 +3543,7 @@
       </p:sp>
       <p:sp>
         <p:nvSpPr>
-          <p:cNvPr id="6" name="Slide Number Placeholder 5">
-            <a:extLst>
-              <a:ext uri="{FF2B5EF4-FFF2-40B4-BE49-F238E27FC236}">
-                <a16:creationId xmlns:a16="http://schemas.microsoft.com/office/drawing/2014/main" id="{07A50F28-76A3-41B4-B3E7-6AD8C91C458F}"/>
-              </a:ext>
-            </a:extLst>
-          </p:cNvPr>
+          <p:cNvPr id="6" name="Slide Number Placeholder 5"/>
           <p:cNvSpPr>
             <a:spLocks noGrp="1"/>
           </p:cNvSpPr>
@@ -2971,56 +3553,92 @@
         </p:nvSpPr>
         <p:spPr>
           <a:xfrm>
-            <a:off x="8610600" y="6356350"/>
-            <a:ext cx="2743200" cy="365125"/>
+            <a:off x="11319460" y="232118"/>
+            <a:ext cx="811019" cy="503578"/>
           </a:xfrm>
           <a:prstGeom prst="rect">
             <a:avLst/>
           </a:prstGeom>
         </p:spPr>
         <p:txBody>
-          <a:bodyPr vert="horz" lIns="91440" tIns="45720" rIns="91440" bIns="45720" rtlCol="0" anchor="ctr"/>
+          <a:bodyPr vert="horz" lIns="91440" tIns="45720" rIns="91440" bIns="45720" rtlCol="0" anchor="t"/>
           <a:lstStyle>
             <a:lvl1pPr algn="r">
-              <a:defRPr sz="1200">
+              <a:defRPr sz="2800">
                 <a:solidFill>
-                  <a:schemeClr val="tx1">
-                    <a:tint val="75000"/>
-                  </a:schemeClr>
+                  <a:schemeClr val="accent1"/>
                 </a:solidFill>
               </a:defRPr>
             </a:lvl1pPr>
           </a:lstStyle>
           <a:p>
-            <a:fld id="{31995C7B-30C7-4B8D-85B9-075263748EAC}" type="slidenum">
+            <a:fld id="{EB26B2EB-5A5B-4471-9DF8-C9AE5CC20329}" type="slidenum">
               <a:rPr lang="en-US" smtClean="0"/>
               <a:t>‹#›</a:t>
             </a:fld>
-            <a:endParaRPr lang="en-US"/>
-          </a:p>
-        </p:txBody>
-      </p:sp>
+            <a:endParaRPr lang="en-US" dirty="0"/>
+          </a:p>
+        </p:txBody>
+      </p:sp>
+      <p:cxnSp>
+        <p:nvCxnSpPr>
+          <p:cNvPr id="10" name="Straight Connector 9"/>
+          <p:cNvCxnSpPr/>
+          <p:nvPr/>
+        </p:nvCxnSpPr>
+        <p:spPr>
+          <a:xfrm>
+            <a:off x="0" y="6128413"/>
+            <a:ext cx="12192000" cy="0"/>
+          </a:xfrm>
+          <a:prstGeom prst="line">
+            <a:avLst/>
+          </a:prstGeom>
+          <a:ln w="12700">
+            <a:solidFill>
+              <a:srgbClr val="000001">
+                <a:alpha val="20000"/>
+              </a:srgbClr>
+            </a:solidFill>
+          </a:ln>
+        </p:spPr>
+        <p:style>
+          <a:lnRef idx="1">
+            <a:schemeClr val="accent1"/>
+          </a:lnRef>
+          <a:fillRef idx="0">
+            <a:schemeClr val="accent1"/>
+          </a:fillRef>
+          <a:effectRef idx="0">
+            <a:schemeClr val="accent1"/>
+          </a:effectRef>
+          <a:fontRef idx="minor">
+            <a:schemeClr val="tx1"/>
+          </a:fontRef>
+        </p:style>
+      </p:cxnSp>
     </p:spTree>
     <p:extLst>
       <p:ext uri="{BB962C8B-B14F-4D97-AF65-F5344CB8AC3E}">
-        <p14:creationId xmlns:p14="http://schemas.microsoft.com/office/powerpoint/2010/main" val="1220380990"/>
+        <p14:creationId xmlns:p14="http://schemas.microsoft.com/office/powerpoint/2010/main" val="2228687684"/>
       </p:ext>
     </p:extLst>
   </p:cSld>
   <p:clrMap bg1="lt1" tx1="dk1" bg2="lt2" tx2="dk2" accent1="accent1" accent2="accent2" accent3="accent3" accent4="accent4" accent5="accent5" accent6="accent6" hlink="hlink" folHlink="folHlink"/>
   <p:sldLayoutIdLst>
-    <p:sldLayoutId id="2147483649" r:id="rId1"/>
-    <p:sldLayoutId id="2147483650" r:id="rId2"/>
-    <p:sldLayoutId id="2147483651" r:id="rId3"/>
-    <p:sldLayoutId id="2147483652" r:id="rId4"/>
-    <p:sldLayoutId id="2147483653" r:id="rId5"/>
-    <p:sldLayoutId id="2147483654" r:id="rId6"/>
-    <p:sldLayoutId id="2147483655" r:id="rId7"/>
-    <p:sldLayoutId id="2147483656" r:id="rId8"/>
-    <p:sldLayoutId id="2147483657" r:id="rId9"/>
-    <p:sldLayoutId id="2147483658" r:id="rId10"/>
-    <p:sldLayoutId id="2147483659" r:id="rId11"/>
+    <p:sldLayoutId id="2147483661" r:id="rId1"/>
+    <p:sldLayoutId id="2147483662" r:id="rId2"/>
+    <p:sldLayoutId id="2147483663" r:id="rId3"/>
+    <p:sldLayoutId id="2147483664" r:id="rId4"/>
+    <p:sldLayoutId id="2147483665" r:id="rId5"/>
+    <p:sldLayoutId id="2147483666" r:id="rId6"/>
+    <p:sldLayoutId id="2147483667" r:id="rId7"/>
+    <p:sldLayoutId id="2147483668" r:id="rId8"/>
+    <p:sldLayoutId id="2147483669" r:id="rId9"/>
+    <p:sldLayoutId id="2147483670" r:id="rId10"/>
+    <p:sldLayoutId id="2147483671" r:id="rId11"/>
   </p:sldLayoutIdLst>
+  <p:hf hdr="0" ftr="0" dt="0"/>
   <p:txStyles>
     <p:titleStyle>
       <a:lvl1pPr algn="l" defTabSz="914400" rtl="0" eaLnBrk="1" latinLnBrk="0" hangingPunct="1">
@@ -3031,10 +3649,11 @@
           <a:spcPct val="0"/>
         </a:spcBef>
         <a:buNone/>
-        <a:defRPr sz="4400" kern="1200">
+        <a:defRPr sz="3200" b="0" i="0" kern="1200" cap="all">
           <a:solidFill>
             <a:schemeClr val="tx1"/>
           </a:solidFill>
+          <a:effectLst/>
           <a:latin typeface="+mj-lt"/>
           <a:ea typeface="+mj-ea"/>
           <a:cs typeface="+mj-cs"/>
@@ -3044,17 +3663,22 @@
     <p:bodyStyle>
       <a:lvl1pPr marL="228600" indent="-228600" algn="l" defTabSz="914400" rtl="0" eaLnBrk="1" latinLnBrk="0" hangingPunct="1">
         <a:lnSpc>
-          <a:spcPct val="90000"/>
+          <a:spcPct val="120000"/>
         </a:lnSpc>
         <a:spcBef>
           <a:spcPts val="1000"/>
         </a:spcBef>
+        <a:buClr>
+          <a:schemeClr val="accent1"/>
+        </a:buClr>
+        <a:buSzPct val="100000"/>
         <a:buFont typeface="Arial" panose="020B0604020202020204" pitchFamily="34" charset="0"/>
         <a:buChar char="•"/>
-        <a:defRPr sz="2800" kern="1200">
+        <a:defRPr sz="2000" kern="1200">
           <a:solidFill>
             <a:schemeClr val="tx1"/>
           </a:solidFill>
+          <a:effectLst/>
           <a:latin typeface="+mn-lt"/>
           <a:ea typeface="+mn-ea"/>
           <a:cs typeface="+mn-cs"/>
@@ -3062,17 +3686,22 @@
       </a:lvl1pPr>
       <a:lvl2pPr marL="685800" indent="-228600" algn="l" defTabSz="914400" rtl="0" eaLnBrk="1" latinLnBrk="0" hangingPunct="1">
         <a:lnSpc>
-          <a:spcPct val="90000"/>
+          <a:spcPct val="120000"/>
         </a:lnSpc>
         <a:spcBef>
           <a:spcPts val="500"/>
         </a:spcBef>
+        <a:buClr>
+          <a:schemeClr val="accent1"/>
+        </a:buClr>
+        <a:buSzPct val="100000"/>
         <a:buFont typeface="Arial" panose="020B0604020202020204" pitchFamily="34" charset="0"/>
         <a:buChar char="•"/>
-        <a:defRPr sz="2400" kern="1200">
+        <a:defRPr sz="1800" kern="1200" cap="none" baseline="0">
           <a:solidFill>
             <a:schemeClr val="tx1"/>
           </a:solidFill>
+          <a:effectLst/>
           <a:latin typeface="+mn-lt"/>
           <a:ea typeface="+mn-ea"/>
           <a:cs typeface="+mn-cs"/>
@@ -3080,17 +3709,22 @@
       </a:lvl2pPr>
       <a:lvl3pPr marL="1143000" indent="-228600" algn="l" defTabSz="914400" rtl="0" eaLnBrk="1" latinLnBrk="0" hangingPunct="1">
         <a:lnSpc>
-          <a:spcPct val="90000"/>
+          <a:spcPct val="120000"/>
         </a:lnSpc>
         <a:spcBef>
           <a:spcPts val="500"/>
         </a:spcBef>
+        <a:buClr>
+          <a:schemeClr val="accent1"/>
+        </a:buClr>
+        <a:buSzPct val="100000"/>
         <a:buFont typeface="Arial" panose="020B0604020202020204" pitchFamily="34" charset="0"/>
         <a:buChar char="•"/>
-        <a:defRPr sz="2000" kern="1200">
+        <a:defRPr sz="1600" kern="1200">
           <a:solidFill>
             <a:schemeClr val="tx1"/>
           </a:solidFill>
+          <a:effectLst/>
           <a:latin typeface="+mn-lt"/>
           <a:ea typeface="+mn-ea"/>
           <a:cs typeface="+mn-cs"/>
@@ -3098,17 +3732,22 @@
       </a:lvl3pPr>
       <a:lvl4pPr marL="1600200" indent="-228600" algn="l" defTabSz="914400" rtl="0" eaLnBrk="1" latinLnBrk="0" hangingPunct="1">
         <a:lnSpc>
-          <a:spcPct val="90000"/>
+          <a:spcPct val="120000"/>
         </a:lnSpc>
         <a:spcBef>
           <a:spcPts val="500"/>
         </a:spcBef>
+        <a:buClr>
+          <a:schemeClr val="accent1"/>
+        </a:buClr>
+        <a:buSzPct val="100000"/>
         <a:buFont typeface="Arial" panose="020B0604020202020204" pitchFamily="34" charset="0"/>
         <a:buChar char="•"/>
-        <a:defRPr sz="1800" kern="1200">
+        <a:defRPr sz="1400" kern="1200" cap="none" baseline="0">
           <a:solidFill>
             <a:schemeClr val="tx1"/>
           </a:solidFill>
+          <a:effectLst/>
           <a:latin typeface="+mn-lt"/>
           <a:ea typeface="+mn-ea"/>
           <a:cs typeface="+mn-cs"/>
@@ -3116,17 +3755,22 @@
       </a:lvl4pPr>
       <a:lvl5pPr marL="2057400" indent="-228600" algn="l" defTabSz="914400" rtl="0" eaLnBrk="1" latinLnBrk="0" hangingPunct="1">
         <a:lnSpc>
-          <a:spcPct val="90000"/>
+          <a:spcPct val="120000"/>
         </a:lnSpc>
         <a:spcBef>
           <a:spcPts val="500"/>
         </a:spcBef>
+        <a:buClr>
+          <a:schemeClr val="accent1"/>
+        </a:buClr>
+        <a:buSzPct val="100000"/>
         <a:buFont typeface="Arial" panose="020B0604020202020204" pitchFamily="34" charset="0"/>
         <a:buChar char="•"/>
-        <a:defRPr sz="1800" kern="1200">
+        <a:defRPr sz="1200" kern="1200">
           <a:solidFill>
             <a:schemeClr val="tx1"/>
           </a:solidFill>
+          <a:effectLst/>
           <a:latin typeface="+mn-lt"/>
           <a:ea typeface="+mn-ea"/>
           <a:cs typeface="+mn-cs"/>
@@ -3134,17 +3778,22 @@
       </a:lvl5pPr>
       <a:lvl6pPr marL="2514600" indent="-228600" algn="l" defTabSz="914400" rtl="0" eaLnBrk="1" latinLnBrk="0" hangingPunct="1">
         <a:lnSpc>
-          <a:spcPct val="90000"/>
+          <a:spcPct val="120000"/>
         </a:lnSpc>
         <a:spcBef>
           <a:spcPts val="500"/>
         </a:spcBef>
+        <a:buClr>
+          <a:schemeClr val="accent1"/>
+        </a:buClr>
+        <a:buSzPct val="100000"/>
         <a:buFont typeface="Arial" panose="020B0604020202020204" pitchFamily="34" charset="0"/>
         <a:buChar char="•"/>
-        <a:defRPr sz="1800" kern="1200">
+        <a:defRPr sz="1200" kern="1200">
           <a:solidFill>
             <a:schemeClr val="tx1"/>
           </a:solidFill>
+          <a:effectLst/>
           <a:latin typeface="+mn-lt"/>
           <a:ea typeface="+mn-ea"/>
           <a:cs typeface="+mn-cs"/>
@@ -3152,17 +3801,22 @@
       </a:lvl6pPr>
       <a:lvl7pPr marL="2971800" indent="-228600" algn="l" defTabSz="914400" rtl="0" eaLnBrk="1" latinLnBrk="0" hangingPunct="1">
         <a:lnSpc>
-          <a:spcPct val="90000"/>
+          <a:spcPct val="120000"/>
         </a:lnSpc>
         <a:spcBef>
           <a:spcPts val="500"/>
         </a:spcBef>
+        <a:buClr>
+          <a:schemeClr val="accent1"/>
+        </a:buClr>
+        <a:buSzPct val="100000"/>
         <a:buFont typeface="Arial" panose="020B0604020202020204" pitchFamily="34" charset="0"/>
         <a:buChar char="•"/>
-        <a:defRPr sz="1800" kern="1200">
+        <a:defRPr sz="1200" kern="1200">
           <a:solidFill>
             <a:schemeClr val="tx1"/>
           </a:solidFill>
+          <a:effectLst/>
           <a:latin typeface="+mn-lt"/>
           <a:ea typeface="+mn-ea"/>
           <a:cs typeface="+mn-cs"/>
@@ -3170,17 +3824,22 @@
       </a:lvl7pPr>
       <a:lvl8pPr marL="3429000" indent="-228600" algn="l" defTabSz="914400" rtl="0" eaLnBrk="1" latinLnBrk="0" hangingPunct="1">
         <a:lnSpc>
-          <a:spcPct val="90000"/>
+          <a:spcPct val="120000"/>
         </a:lnSpc>
         <a:spcBef>
           <a:spcPts val="500"/>
         </a:spcBef>
+        <a:buClr>
+          <a:schemeClr val="accent1"/>
+        </a:buClr>
+        <a:buSzPct val="100000"/>
         <a:buFont typeface="Arial" panose="020B0604020202020204" pitchFamily="34" charset="0"/>
         <a:buChar char="•"/>
-        <a:defRPr sz="1800" kern="1200">
+        <a:defRPr sz="1200" kern="1200" baseline="0">
           <a:solidFill>
             <a:schemeClr val="tx1"/>
           </a:solidFill>
+          <a:effectLst/>
           <a:latin typeface="+mn-lt"/>
           <a:ea typeface="+mn-ea"/>
           <a:cs typeface="+mn-cs"/>
@@ -3188,17 +3847,22 @@
       </a:lvl8pPr>
       <a:lvl9pPr marL="3886200" indent="-228600" algn="l" defTabSz="914400" rtl="0" eaLnBrk="1" latinLnBrk="0" hangingPunct="1">
         <a:lnSpc>
-          <a:spcPct val="90000"/>
+          <a:spcPct val="120000"/>
         </a:lnSpc>
         <a:spcBef>
           <a:spcPts val="500"/>
         </a:spcBef>
+        <a:buClr>
+          <a:schemeClr val="accent1"/>
+        </a:buClr>
+        <a:buSzPct val="100000"/>
         <a:buFont typeface="Arial" panose="020B0604020202020204" pitchFamily="34" charset="0"/>
         <a:buChar char="•"/>
-        <a:defRPr sz="1800" kern="1200">
+        <a:defRPr sz="1200" kern="1200" baseline="0">
           <a:solidFill>
             <a:schemeClr val="tx1"/>
           </a:solidFill>
+          <a:effectLst/>
           <a:latin typeface="+mn-lt"/>
           <a:ea typeface="+mn-ea"/>
           <a:cs typeface="+mn-cs"/>
@@ -3326,7 +3990,7 @@
           <p:cNvPr id="2" name="Title 1">
             <a:extLst>
               <a:ext uri="{FF2B5EF4-FFF2-40B4-BE49-F238E27FC236}">
-                <a16:creationId xmlns:a16="http://schemas.microsoft.com/office/drawing/2014/main" id="{510A6007-CC7B-460E-9C5D-A43D3797F24E}"/>
+                <a16:creationId xmlns:a16="http://schemas.microsoft.com/office/drawing/2014/main" id="{8CB22EC1-B86F-4109-8E89-70F22CB87039}"/>
               </a:ext>
             </a:extLst>
           </p:cNvPr>
@@ -3337,12 +4001,23 @@
             <p:ph type="ctrTitle"/>
           </p:nvPr>
         </p:nvSpPr>
-        <p:spPr/>
-        <p:txBody>
-          <a:bodyPr/>
-          <a:lstStyle/>
-          <a:p>
-            <a:endParaRPr lang="en-US"/>
+        <p:spPr>
+          <a:xfrm>
+            <a:off x="2417780" y="94624"/>
+            <a:ext cx="8637073" cy="2356244"/>
+          </a:xfrm>
+        </p:spPr>
+        <p:txBody>
+          <a:bodyPr>
+            <a:normAutofit/>
+          </a:bodyPr>
+          <a:lstStyle/>
+          <a:p>
+            <a:r>
+              <a:rPr lang="en-US" sz="4400" b="1" dirty="0"/>
+              <a:t>Educational Question-Answer Forum for Bangladesh </a:t>
+            </a:r>
+            <a:endParaRPr lang="en-US" sz="4400" dirty="0"/>
           </a:p>
         </p:txBody>
       </p:sp>
@@ -3351,7 +4026,7 @@
           <p:cNvPr id="3" name="Subtitle 2">
             <a:extLst>
               <a:ext uri="{FF2B5EF4-FFF2-40B4-BE49-F238E27FC236}">
-                <a16:creationId xmlns:a16="http://schemas.microsoft.com/office/drawing/2014/main" id="{E9E0F3A4-999E-4229-93D6-9FECAB19567D}"/>
+                <a16:creationId xmlns:a16="http://schemas.microsoft.com/office/drawing/2014/main" id="{31A5B270-62F1-4696-AEEC-4609A65DE6A2}"/>
               </a:ext>
             </a:extLst>
           </p:cNvPr>
@@ -3362,11 +4037,103 @@
             <p:ph type="subTitle" idx="1"/>
           </p:nvPr>
         </p:nvSpPr>
+        <p:spPr>
+          <a:xfrm>
+            <a:off x="2417780" y="2450868"/>
+            <a:ext cx="8637072" cy="3060246"/>
+          </a:xfrm>
+        </p:spPr>
+        <p:txBody>
+          <a:bodyPr>
+            <a:normAutofit fontScale="92500" lnSpcReduction="10000"/>
+          </a:bodyPr>
+          <a:lstStyle/>
+          <a:p>
+            <a:r>
+              <a:rPr lang="en-US" sz="2400" dirty="0"/>
+              <a:t>Presented by</a:t>
+            </a:r>
+          </a:p>
+          <a:p>
+            <a:r>
+              <a:rPr lang="en-US" sz="2400" dirty="0"/>
+              <a:t>Tulshi Chandra Das</a:t>
+            </a:r>
+          </a:p>
+          <a:p>
+            <a:pPr algn="r"/>
+            <a:r>
+              <a:rPr lang="en-US" sz="2200" dirty="0"/>
+              <a:t>Supervised by</a:t>
+            </a:r>
+          </a:p>
+          <a:p>
+            <a:pPr algn="r"/>
+            <a:r>
+              <a:rPr lang="en-US" sz="2200" dirty="0" err="1"/>
+              <a:t>md.</a:t>
+            </a:r>
+            <a:r>
+              <a:rPr lang="en-US" sz="2200" dirty="0"/>
+              <a:t> Saeed </a:t>
+            </a:r>
+            <a:r>
+              <a:rPr lang="en-US" sz="2200" dirty="0" err="1"/>
+              <a:t>siddik</a:t>
+            </a:r>
+            <a:endParaRPr lang="en-US" sz="2200" dirty="0"/>
+          </a:p>
+          <a:p>
+            <a:pPr algn="r"/>
+            <a:r>
+              <a:rPr lang="en-US" sz="2200" dirty="0"/>
+              <a:t>Lecturer</a:t>
+            </a:r>
+          </a:p>
+          <a:p>
+            <a:pPr algn="r"/>
+            <a:r>
+              <a:rPr lang="en-US" sz="2200" dirty="0" err="1"/>
+              <a:t>Iit</a:t>
+            </a:r>
+            <a:r>
+              <a:rPr lang="en-US" sz="2200" dirty="0"/>
+              <a:t>,  Du</a:t>
+            </a:r>
+          </a:p>
+          <a:p>
+            <a:endParaRPr lang="en-US" dirty="0"/>
+          </a:p>
+          <a:p>
+            <a:endParaRPr lang="en-US" dirty="0"/>
+          </a:p>
+        </p:txBody>
+      </p:sp>
+      <p:sp>
+        <p:nvSpPr>
+          <p:cNvPr id="4" name="Slide Number Placeholder 3">
+            <a:extLst>
+              <a:ext uri="{FF2B5EF4-FFF2-40B4-BE49-F238E27FC236}">
+                <a16:creationId xmlns:a16="http://schemas.microsoft.com/office/drawing/2014/main" id="{275BFACF-B3A0-4C04-AB6C-632B632F8009}"/>
+              </a:ext>
+            </a:extLst>
+          </p:cNvPr>
+          <p:cNvSpPr>
+            <a:spLocks noGrp="1"/>
+          </p:cNvSpPr>
+          <p:nvPr>
+            <p:ph type="sldNum" sz="quarter" idx="12"/>
+          </p:nvPr>
+        </p:nvSpPr>
         <p:spPr/>
         <p:txBody>
           <a:bodyPr/>
           <a:lstStyle/>
           <a:p>
+            <a:fld id="{EB26B2EB-5A5B-4471-9DF8-C9AE5CC20329}" type="slidenum">
+              <a:rPr lang="en-US" smtClean="0"/>
+              <a:t>1</a:t>
+            </a:fld>
             <a:endParaRPr lang="en-US"/>
           </a:p>
         </p:txBody>
@@ -3374,7 +4141,972 @@
     </p:spTree>
     <p:extLst>
       <p:ext uri="{BB962C8B-B14F-4D97-AF65-F5344CB8AC3E}">
-        <p14:creationId xmlns:p14="http://schemas.microsoft.com/office/powerpoint/2010/main" val="3667174567"/>
+        <p14:creationId xmlns:p14="http://schemas.microsoft.com/office/powerpoint/2010/main" val="1014069598"/>
+      </p:ext>
+    </p:extLst>
+  </p:cSld>
+  <p:clrMapOvr>
+    <a:masterClrMapping/>
+  </p:clrMapOvr>
+</p:sld>
+</file>
+
+<file path=ppt/slides/slide2.xml><?xml version="1.0" encoding="utf-8"?>
+<p:sld xmlns:a="http://schemas.openxmlformats.org/drawingml/2006/main" xmlns:r="http://schemas.openxmlformats.org/officeDocument/2006/relationships" xmlns:p="http://schemas.openxmlformats.org/presentationml/2006/main">
+  <p:cSld>
+    <p:spTree>
+      <p:nvGrpSpPr>
+        <p:cNvPr id="1" name=""/>
+        <p:cNvGrpSpPr/>
+        <p:nvPr/>
+      </p:nvGrpSpPr>
+      <p:grpSpPr>
+        <a:xfrm>
+          <a:off x="0" y="0"/>
+          <a:ext cx="0" cy="0"/>
+          <a:chOff x="0" y="0"/>
+          <a:chExt cx="0" cy="0"/>
+        </a:xfrm>
+      </p:grpSpPr>
+      <p:sp>
+        <p:nvSpPr>
+          <p:cNvPr id="2" name="Title 1">
+            <a:extLst>
+              <a:ext uri="{FF2B5EF4-FFF2-40B4-BE49-F238E27FC236}">
+                <a16:creationId xmlns:a16="http://schemas.microsoft.com/office/drawing/2014/main" id="{5B40E740-2796-4468-9308-8D6BDFFF3B71}"/>
+              </a:ext>
+            </a:extLst>
+          </p:cNvPr>
+          <p:cNvSpPr>
+            <a:spLocks noGrp="1"/>
+          </p:cNvSpPr>
+          <p:nvPr>
+            <p:ph type="title"/>
+          </p:nvPr>
+        </p:nvSpPr>
+        <p:spPr/>
+        <p:txBody>
+          <a:bodyPr/>
+          <a:lstStyle/>
+          <a:p>
+            <a:r>
+              <a:rPr lang="en-US" dirty="0"/>
+              <a:t>Outline</a:t>
+            </a:r>
+          </a:p>
+        </p:txBody>
+      </p:sp>
+      <p:sp>
+        <p:nvSpPr>
+          <p:cNvPr id="3" name="Content Placeholder 2">
+            <a:extLst>
+              <a:ext uri="{FF2B5EF4-FFF2-40B4-BE49-F238E27FC236}">
+                <a16:creationId xmlns:a16="http://schemas.microsoft.com/office/drawing/2014/main" id="{3ED5DD1C-305D-490F-972D-2E865E704409}"/>
+              </a:ext>
+            </a:extLst>
+          </p:cNvPr>
+          <p:cNvSpPr>
+            <a:spLocks noGrp="1"/>
+          </p:cNvSpPr>
+          <p:nvPr>
+            <p:ph idx="1"/>
+          </p:nvPr>
+        </p:nvSpPr>
+        <p:spPr/>
+        <p:txBody>
+          <a:bodyPr/>
+          <a:lstStyle/>
+          <a:p>
+            <a:r>
+              <a:rPr lang="en-US" dirty="0"/>
+              <a:t>Broad Domain </a:t>
+            </a:r>
+          </a:p>
+          <a:p>
+            <a:r>
+              <a:rPr lang="en-US" dirty="0"/>
+              <a:t>Problem Statement </a:t>
+            </a:r>
+          </a:p>
+          <a:p>
+            <a:r>
+              <a:rPr lang="en-US" dirty="0"/>
+              <a:t>Existing works </a:t>
+            </a:r>
+          </a:p>
+          <a:p>
+            <a:r>
+              <a:rPr lang="en-US" dirty="0"/>
+              <a:t>What I want to do </a:t>
+            </a:r>
+          </a:p>
+        </p:txBody>
+      </p:sp>
+      <p:sp>
+        <p:nvSpPr>
+          <p:cNvPr id="4" name="Slide Number Placeholder 3">
+            <a:extLst>
+              <a:ext uri="{FF2B5EF4-FFF2-40B4-BE49-F238E27FC236}">
+                <a16:creationId xmlns:a16="http://schemas.microsoft.com/office/drawing/2014/main" id="{5B2040B7-CBBC-49BC-8DD6-28BE573790CD}"/>
+              </a:ext>
+            </a:extLst>
+          </p:cNvPr>
+          <p:cNvSpPr>
+            <a:spLocks noGrp="1"/>
+          </p:cNvSpPr>
+          <p:nvPr>
+            <p:ph type="sldNum" sz="quarter" idx="12"/>
+          </p:nvPr>
+        </p:nvSpPr>
+        <p:spPr/>
+        <p:txBody>
+          <a:bodyPr/>
+          <a:lstStyle/>
+          <a:p>
+            <a:fld id="{EB26B2EB-5A5B-4471-9DF8-C9AE5CC20329}" type="slidenum">
+              <a:rPr lang="en-US" smtClean="0"/>
+              <a:t>2</a:t>
+            </a:fld>
+            <a:endParaRPr lang="en-US"/>
+          </a:p>
+        </p:txBody>
+      </p:sp>
+    </p:spTree>
+    <p:extLst>
+      <p:ext uri="{BB962C8B-B14F-4D97-AF65-F5344CB8AC3E}">
+        <p14:creationId xmlns:p14="http://schemas.microsoft.com/office/powerpoint/2010/main" val="4134291794"/>
+      </p:ext>
+    </p:extLst>
+  </p:cSld>
+  <p:clrMapOvr>
+    <a:masterClrMapping/>
+  </p:clrMapOvr>
+</p:sld>
+</file>
+
+<file path=ppt/slides/slide3.xml><?xml version="1.0" encoding="utf-8"?>
+<p:sld xmlns:a="http://schemas.openxmlformats.org/drawingml/2006/main" xmlns:r="http://schemas.openxmlformats.org/officeDocument/2006/relationships" xmlns:p="http://schemas.openxmlformats.org/presentationml/2006/main">
+  <p:cSld>
+    <p:spTree>
+      <p:nvGrpSpPr>
+        <p:cNvPr id="1" name=""/>
+        <p:cNvGrpSpPr/>
+        <p:nvPr/>
+      </p:nvGrpSpPr>
+      <p:grpSpPr>
+        <a:xfrm>
+          <a:off x="0" y="0"/>
+          <a:ext cx="0" cy="0"/>
+          <a:chOff x="0" y="0"/>
+          <a:chExt cx="0" cy="0"/>
+        </a:xfrm>
+      </p:grpSpPr>
+      <p:sp>
+        <p:nvSpPr>
+          <p:cNvPr id="2" name="Title 1">
+            <a:extLst>
+              <a:ext uri="{FF2B5EF4-FFF2-40B4-BE49-F238E27FC236}">
+                <a16:creationId xmlns:a16="http://schemas.microsoft.com/office/drawing/2014/main" id="{6782CA48-3347-44F6-A588-11F2D7A4C181}"/>
+              </a:ext>
+            </a:extLst>
+          </p:cNvPr>
+          <p:cNvSpPr>
+            <a:spLocks noGrp="1"/>
+          </p:cNvSpPr>
+          <p:nvPr>
+            <p:ph type="title"/>
+          </p:nvPr>
+        </p:nvSpPr>
+        <p:spPr/>
+        <p:txBody>
+          <a:bodyPr/>
+          <a:lstStyle/>
+          <a:p>
+            <a:r>
+              <a:rPr lang="en-US" dirty="0"/>
+              <a:t>Broad domain</a:t>
+            </a:r>
+          </a:p>
+        </p:txBody>
+      </p:sp>
+      <p:sp>
+        <p:nvSpPr>
+          <p:cNvPr id="3" name="Content Placeholder 2">
+            <a:extLst>
+              <a:ext uri="{FF2B5EF4-FFF2-40B4-BE49-F238E27FC236}">
+                <a16:creationId xmlns:a16="http://schemas.microsoft.com/office/drawing/2014/main" id="{326AD12C-0F2D-41ED-B522-4D472AB53E02}"/>
+              </a:ext>
+            </a:extLst>
+          </p:cNvPr>
+          <p:cNvSpPr>
+            <a:spLocks noGrp="1"/>
+          </p:cNvSpPr>
+          <p:nvPr>
+            <p:ph idx="1"/>
+          </p:nvPr>
+        </p:nvSpPr>
+        <p:spPr/>
+        <p:txBody>
+          <a:bodyPr/>
+          <a:lstStyle/>
+          <a:p>
+            <a:pPr marL="0" indent="0">
+              <a:buNone/>
+            </a:pPr>
+            <a:r>
+              <a:rPr lang="en-US" dirty="0"/>
+              <a:t>Domain of the project are</a:t>
+            </a:r>
+          </a:p>
+          <a:p>
+            <a:pPr lvl="1"/>
+            <a:r>
+              <a:rPr lang="en-US" sz="2000" dirty="0"/>
+              <a:t>Creating question on study topics</a:t>
+            </a:r>
+          </a:p>
+          <a:p>
+            <a:pPr lvl="1"/>
+            <a:r>
+              <a:rPr lang="en-US" sz="2000" dirty="0"/>
+              <a:t>Creating answer to a question</a:t>
+            </a:r>
+          </a:p>
+          <a:p>
+            <a:pPr lvl="1"/>
+            <a:r>
+              <a:rPr lang="en-US" sz="2000" dirty="0"/>
+              <a:t>Comment to question or answer</a:t>
+            </a:r>
+          </a:p>
+          <a:p>
+            <a:pPr lvl="1"/>
+            <a:r>
+              <a:rPr lang="en-US" sz="2000" dirty="0"/>
+              <a:t>Vote/Down-vote to question/answer</a:t>
+            </a:r>
+          </a:p>
+          <a:p>
+            <a:endParaRPr lang="en-US" dirty="0"/>
+          </a:p>
+        </p:txBody>
+      </p:sp>
+      <p:sp>
+        <p:nvSpPr>
+          <p:cNvPr id="4" name="Slide Number Placeholder 3">
+            <a:extLst>
+              <a:ext uri="{FF2B5EF4-FFF2-40B4-BE49-F238E27FC236}">
+                <a16:creationId xmlns:a16="http://schemas.microsoft.com/office/drawing/2014/main" id="{107F1E70-88EA-4782-ACB3-811F8EF6AC97}"/>
+              </a:ext>
+            </a:extLst>
+          </p:cNvPr>
+          <p:cNvSpPr>
+            <a:spLocks noGrp="1"/>
+          </p:cNvSpPr>
+          <p:nvPr>
+            <p:ph type="sldNum" sz="quarter" idx="12"/>
+          </p:nvPr>
+        </p:nvSpPr>
+        <p:spPr/>
+        <p:txBody>
+          <a:bodyPr/>
+          <a:lstStyle/>
+          <a:p>
+            <a:fld id="{EB26B2EB-5A5B-4471-9DF8-C9AE5CC20329}" type="slidenum">
+              <a:rPr lang="en-US" smtClean="0"/>
+              <a:t>3</a:t>
+            </a:fld>
+            <a:endParaRPr lang="en-US"/>
+          </a:p>
+        </p:txBody>
+      </p:sp>
+    </p:spTree>
+    <p:extLst>
+      <p:ext uri="{BB962C8B-B14F-4D97-AF65-F5344CB8AC3E}">
+        <p14:creationId xmlns:p14="http://schemas.microsoft.com/office/powerpoint/2010/main" val="1705700882"/>
+      </p:ext>
+    </p:extLst>
+  </p:cSld>
+  <p:clrMapOvr>
+    <a:masterClrMapping/>
+  </p:clrMapOvr>
+</p:sld>
+</file>
+
+<file path=ppt/slides/slide4.xml><?xml version="1.0" encoding="utf-8"?>
+<p:sld xmlns:a="http://schemas.openxmlformats.org/drawingml/2006/main" xmlns:r="http://schemas.openxmlformats.org/officeDocument/2006/relationships" xmlns:p="http://schemas.openxmlformats.org/presentationml/2006/main">
+  <p:cSld>
+    <p:spTree>
+      <p:nvGrpSpPr>
+        <p:cNvPr id="1" name=""/>
+        <p:cNvGrpSpPr/>
+        <p:nvPr/>
+      </p:nvGrpSpPr>
+      <p:grpSpPr>
+        <a:xfrm>
+          <a:off x="0" y="0"/>
+          <a:ext cx="0" cy="0"/>
+          <a:chOff x="0" y="0"/>
+          <a:chExt cx="0" cy="0"/>
+        </a:xfrm>
+      </p:grpSpPr>
+      <p:sp>
+        <p:nvSpPr>
+          <p:cNvPr id="2" name="Title 1">
+            <a:extLst>
+              <a:ext uri="{FF2B5EF4-FFF2-40B4-BE49-F238E27FC236}">
+                <a16:creationId xmlns:a16="http://schemas.microsoft.com/office/drawing/2014/main" id="{836A6ED4-B3DE-4834-8B6F-556822EC80FE}"/>
+              </a:ext>
+            </a:extLst>
+          </p:cNvPr>
+          <p:cNvSpPr>
+            <a:spLocks noGrp="1"/>
+          </p:cNvSpPr>
+          <p:nvPr>
+            <p:ph type="title"/>
+          </p:nvPr>
+        </p:nvSpPr>
+        <p:spPr/>
+        <p:txBody>
+          <a:bodyPr/>
+          <a:lstStyle/>
+          <a:p>
+            <a:r>
+              <a:rPr lang="en-US" dirty="0"/>
+              <a:t>Problem Statement </a:t>
+            </a:r>
+          </a:p>
+        </p:txBody>
+      </p:sp>
+      <p:sp>
+        <p:nvSpPr>
+          <p:cNvPr id="3" name="Content Placeholder 2">
+            <a:extLst>
+              <a:ext uri="{FF2B5EF4-FFF2-40B4-BE49-F238E27FC236}">
+                <a16:creationId xmlns:a16="http://schemas.microsoft.com/office/drawing/2014/main" id="{BBB9D41C-E15A-4B4B-A592-3368C07463E1}"/>
+              </a:ext>
+            </a:extLst>
+          </p:cNvPr>
+          <p:cNvSpPr>
+            <a:spLocks noGrp="1"/>
+          </p:cNvSpPr>
+          <p:nvPr>
+            <p:ph idx="1"/>
+          </p:nvPr>
+        </p:nvSpPr>
+        <p:spPr/>
+        <p:txBody>
+          <a:bodyPr/>
+          <a:lstStyle/>
+          <a:p>
+            <a:pPr marL="0" indent="0">
+              <a:buNone/>
+            </a:pPr>
+            <a:r>
+              <a:rPr lang="en-US" sz="2400" dirty="0"/>
+              <a:t>Problems to existing applications</a:t>
+            </a:r>
+          </a:p>
+          <a:p>
+            <a:pPr lvl="1"/>
+            <a:r>
+              <a:rPr lang="en-US" dirty="0"/>
+              <a:t>This forum will help students of different level</a:t>
+            </a:r>
+          </a:p>
+          <a:p>
+            <a:pPr lvl="1"/>
+            <a:r>
+              <a:rPr lang="en-US" dirty="0"/>
+              <a:t>No education-based question-answer forum for Bangladesh</a:t>
+            </a:r>
+          </a:p>
+          <a:p>
+            <a:pPr lvl="1"/>
+            <a:r>
+              <a:rPr lang="en-US" dirty="0"/>
+              <a:t>No such forum based on Bengali</a:t>
+            </a:r>
+          </a:p>
+          <a:p>
+            <a:pPr lvl="1"/>
+            <a:endParaRPr lang="en-US" dirty="0"/>
+          </a:p>
+        </p:txBody>
+      </p:sp>
+      <p:sp>
+        <p:nvSpPr>
+          <p:cNvPr id="4" name="Slide Number Placeholder 3">
+            <a:extLst>
+              <a:ext uri="{FF2B5EF4-FFF2-40B4-BE49-F238E27FC236}">
+                <a16:creationId xmlns:a16="http://schemas.microsoft.com/office/drawing/2014/main" id="{333787E2-84DE-4FFE-8CE8-3A3B71E8B58F}"/>
+              </a:ext>
+            </a:extLst>
+          </p:cNvPr>
+          <p:cNvSpPr>
+            <a:spLocks noGrp="1"/>
+          </p:cNvSpPr>
+          <p:nvPr>
+            <p:ph type="sldNum" sz="quarter" idx="12"/>
+          </p:nvPr>
+        </p:nvSpPr>
+        <p:spPr/>
+        <p:txBody>
+          <a:bodyPr/>
+          <a:lstStyle/>
+          <a:p>
+            <a:fld id="{EB26B2EB-5A5B-4471-9DF8-C9AE5CC20329}" type="slidenum">
+              <a:rPr lang="en-US" smtClean="0"/>
+              <a:t>4</a:t>
+            </a:fld>
+            <a:endParaRPr lang="en-US"/>
+          </a:p>
+        </p:txBody>
+      </p:sp>
+    </p:spTree>
+    <p:extLst>
+      <p:ext uri="{BB962C8B-B14F-4D97-AF65-F5344CB8AC3E}">
+        <p14:creationId xmlns:p14="http://schemas.microsoft.com/office/powerpoint/2010/main" val="3041109058"/>
+      </p:ext>
+    </p:extLst>
+  </p:cSld>
+  <p:clrMapOvr>
+    <a:masterClrMapping/>
+  </p:clrMapOvr>
+</p:sld>
+</file>
+
+<file path=ppt/slides/slide5.xml><?xml version="1.0" encoding="utf-8"?>
+<p:sld xmlns:a="http://schemas.openxmlformats.org/drawingml/2006/main" xmlns:r="http://schemas.openxmlformats.org/officeDocument/2006/relationships" xmlns:p="http://schemas.openxmlformats.org/presentationml/2006/main">
+  <p:cSld>
+    <p:spTree>
+      <p:nvGrpSpPr>
+        <p:cNvPr id="1" name=""/>
+        <p:cNvGrpSpPr/>
+        <p:nvPr/>
+      </p:nvGrpSpPr>
+      <p:grpSpPr>
+        <a:xfrm>
+          <a:off x="0" y="0"/>
+          <a:ext cx="0" cy="0"/>
+          <a:chOff x="0" y="0"/>
+          <a:chExt cx="0" cy="0"/>
+        </a:xfrm>
+      </p:grpSpPr>
+      <p:sp>
+        <p:nvSpPr>
+          <p:cNvPr id="2" name="Title 1">
+            <a:extLst>
+              <a:ext uri="{FF2B5EF4-FFF2-40B4-BE49-F238E27FC236}">
+                <a16:creationId xmlns:a16="http://schemas.microsoft.com/office/drawing/2014/main" id="{B0EA2A6F-AA1A-4BC6-8D4E-401AB75CC9D5}"/>
+              </a:ext>
+            </a:extLst>
+          </p:cNvPr>
+          <p:cNvSpPr>
+            <a:spLocks noGrp="1"/>
+          </p:cNvSpPr>
+          <p:nvPr>
+            <p:ph type="title"/>
+          </p:nvPr>
+        </p:nvSpPr>
+        <p:spPr/>
+        <p:txBody>
+          <a:bodyPr/>
+          <a:lstStyle/>
+          <a:p>
+            <a:r>
+              <a:rPr lang="en-US" dirty="0"/>
+              <a:t>Existing works </a:t>
+            </a:r>
+            <a:br>
+              <a:rPr lang="en-US" dirty="0"/>
+            </a:br>
+            <a:endParaRPr lang="en-US" dirty="0"/>
+          </a:p>
+        </p:txBody>
+      </p:sp>
+      <p:sp>
+        <p:nvSpPr>
+          <p:cNvPr id="3" name="Content Placeholder 2">
+            <a:extLst>
+              <a:ext uri="{FF2B5EF4-FFF2-40B4-BE49-F238E27FC236}">
+                <a16:creationId xmlns:a16="http://schemas.microsoft.com/office/drawing/2014/main" id="{EC6C989C-25CD-4DF9-8A3D-5FFAAAD0777F}"/>
+              </a:ext>
+            </a:extLst>
+          </p:cNvPr>
+          <p:cNvSpPr>
+            <a:spLocks noGrp="1"/>
+          </p:cNvSpPr>
+          <p:nvPr>
+            <p:ph idx="1"/>
+          </p:nvPr>
+        </p:nvSpPr>
+        <p:spPr/>
+        <p:txBody>
+          <a:bodyPr/>
+          <a:lstStyle/>
+          <a:p>
+            <a:r>
+              <a:rPr lang="en-US" dirty="0"/>
+              <a:t>Quora</a:t>
+            </a:r>
+          </a:p>
+          <a:p>
+            <a:pPr lvl="1"/>
+            <a:r>
+              <a:rPr lang="en-US" dirty="0"/>
+              <a:t>Global question-answer platform</a:t>
+            </a:r>
+          </a:p>
+          <a:p>
+            <a:pPr lvl="1"/>
+            <a:r>
+              <a:rPr lang="en-US" dirty="0"/>
+              <a:t>All types of question can be asked</a:t>
+            </a:r>
+          </a:p>
+          <a:p>
+            <a:r>
+              <a:rPr lang="en-US" dirty="0"/>
+              <a:t>Academia </a:t>
+            </a:r>
+          </a:p>
+          <a:p>
+            <a:pPr lvl="1"/>
+            <a:r>
+              <a:rPr lang="en-US" dirty="0"/>
+              <a:t>Education based question-answer forum</a:t>
+            </a:r>
+          </a:p>
+          <a:p>
+            <a:pPr lvl="1"/>
+            <a:r>
+              <a:rPr lang="en-US" dirty="0"/>
+              <a:t>Majority of questions are on Research, publications, PhD or higher study</a:t>
+            </a:r>
+          </a:p>
+        </p:txBody>
+      </p:sp>
+      <p:sp>
+        <p:nvSpPr>
+          <p:cNvPr id="4" name="Slide Number Placeholder 3">
+            <a:extLst>
+              <a:ext uri="{FF2B5EF4-FFF2-40B4-BE49-F238E27FC236}">
+                <a16:creationId xmlns:a16="http://schemas.microsoft.com/office/drawing/2014/main" id="{DB4BB5C8-09D9-4795-9C60-061A2007A0B4}"/>
+              </a:ext>
+            </a:extLst>
+          </p:cNvPr>
+          <p:cNvSpPr>
+            <a:spLocks noGrp="1"/>
+          </p:cNvSpPr>
+          <p:nvPr>
+            <p:ph type="sldNum" sz="quarter" idx="12"/>
+          </p:nvPr>
+        </p:nvSpPr>
+        <p:spPr/>
+        <p:txBody>
+          <a:bodyPr/>
+          <a:lstStyle/>
+          <a:p>
+            <a:fld id="{EB26B2EB-5A5B-4471-9DF8-C9AE5CC20329}" type="slidenum">
+              <a:rPr lang="en-US" smtClean="0"/>
+              <a:t>5</a:t>
+            </a:fld>
+            <a:endParaRPr lang="en-US"/>
+          </a:p>
+        </p:txBody>
+      </p:sp>
+    </p:spTree>
+    <p:extLst>
+      <p:ext uri="{BB962C8B-B14F-4D97-AF65-F5344CB8AC3E}">
+        <p14:creationId xmlns:p14="http://schemas.microsoft.com/office/powerpoint/2010/main" val="2606414378"/>
+      </p:ext>
+    </p:extLst>
+  </p:cSld>
+  <p:clrMapOvr>
+    <a:masterClrMapping/>
+  </p:clrMapOvr>
+</p:sld>
+</file>
+
+<file path=ppt/slides/slide6.xml><?xml version="1.0" encoding="utf-8"?>
+<p:sld xmlns:a="http://schemas.openxmlformats.org/drawingml/2006/main" xmlns:r="http://schemas.openxmlformats.org/officeDocument/2006/relationships" xmlns:p="http://schemas.openxmlformats.org/presentationml/2006/main">
+  <p:cSld>
+    <p:spTree>
+      <p:nvGrpSpPr>
+        <p:cNvPr id="1" name=""/>
+        <p:cNvGrpSpPr/>
+        <p:nvPr/>
+      </p:nvGrpSpPr>
+      <p:grpSpPr>
+        <a:xfrm>
+          <a:off x="0" y="0"/>
+          <a:ext cx="0" cy="0"/>
+          <a:chOff x="0" y="0"/>
+          <a:chExt cx="0" cy="0"/>
+        </a:xfrm>
+      </p:grpSpPr>
+      <p:sp>
+        <p:nvSpPr>
+          <p:cNvPr id="2" name="Title 1">
+            <a:extLst>
+              <a:ext uri="{FF2B5EF4-FFF2-40B4-BE49-F238E27FC236}">
+                <a16:creationId xmlns:a16="http://schemas.microsoft.com/office/drawing/2014/main" id="{303CBAE3-CE67-43B2-8046-7458D020E026}"/>
+              </a:ext>
+            </a:extLst>
+          </p:cNvPr>
+          <p:cNvSpPr>
+            <a:spLocks noGrp="1"/>
+          </p:cNvSpPr>
+          <p:nvPr>
+            <p:ph type="title"/>
+          </p:nvPr>
+        </p:nvSpPr>
+        <p:spPr/>
+        <p:txBody>
+          <a:bodyPr/>
+          <a:lstStyle/>
+          <a:p>
+            <a:r>
+              <a:rPr lang="en-US" dirty="0"/>
+              <a:t>What I want to do </a:t>
+            </a:r>
+            <a:br>
+              <a:rPr lang="en-US" dirty="0"/>
+            </a:br>
+            <a:endParaRPr lang="en-US" dirty="0"/>
+          </a:p>
+        </p:txBody>
+      </p:sp>
+      <p:sp>
+        <p:nvSpPr>
+          <p:cNvPr id="3" name="Content Placeholder 2">
+            <a:extLst>
+              <a:ext uri="{FF2B5EF4-FFF2-40B4-BE49-F238E27FC236}">
+                <a16:creationId xmlns:a16="http://schemas.microsoft.com/office/drawing/2014/main" id="{1E717C64-BC07-4AF6-8A9C-83D2F165936C}"/>
+              </a:ext>
+            </a:extLst>
+          </p:cNvPr>
+          <p:cNvSpPr>
+            <a:spLocks noGrp="1"/>
+          </p:cNvSpPr>
+          <p:nvPr>
+            <p:ph idx="1"/>
+          </p:nvPr>
+        </p:nvSpPr>
+        <p:spPr/>
+        <p:txBody>
+          <a:bodyPr/>
+          <a:lstStyle/>
+          <a:p>
+            <a:pPr marL="0" indent="0">
+              <a:buNone/>
+            </a:pPr>
+            <a:r>
+              <a:rPr lang="en-US" dirty="0"/>
+              <a:t>Questions-answer forum for Bangladesh</a:t>
+            </a:r>
+          </a:p>
+          <a:p>
+            <a:pPr lvl="1"/>
+            <a:r>
+              <a:rPr lang="en-US" sz="2000" dirty="0"/>
+              <a:t>Default language will be Bengali</a:t>
+            </a:r>
+          </a:p>
+          <a:p>
+            <a:pPr lvl="1"/>
+            <a:r>
+              <a:rPr lang="en-US" sz="2000" dirty="0"/>
+              <a:t>Users can make question on study topic</a:t>
+            </a:r>
+          </a:p>
+          <a:p>
+            <a:pPr lvl="1"/>
+            <a:r>
+              <a:rPr lang="en-US" sz="2000" dirty="0"/>
+              <a:t>Users can answer to a question</a:t>
+            </a:r>
+          </a:p>
+          <a:p>
+            <a:pPr lvl="1"/>
+            <a:r>
+              <a:rPr lang="en-US" sz="2000" dirty="0"/>
+              <a:t>Users can comment to question/answer</a:t>
+            </a:r>
+          </a:p>
+          <a:p>
+            <a:pPr lvl="1"/>
+            <a:r>
+              <a:rPr lang="en-US" sz="2000" dirty="0"/>
+              <a:t>Users can upvote/downvote to a question or answer</a:t>
+            </a:r>
+          </a:p>
+        </p:txBody>
+      </p:sp>
+      <p:sp>
+        <p:nvSpPr>
+          <p:cNvPr id="4" name="Slide Number Placeholder 3">
+            <a:extLst>
+              <a:ext uri="{FF2B5EF4-FFF2-40B4-BE49-F238E27FC236}">
+                <a16:creationId xmlns:a16="http://schemas.microsoft.com/office/drawing/2014/main" id="{D891BD99-F415-4EAB-A8F6-4DA8672CDC0D}"/>
+              </a:ext>
+            </a:extLst>
+          </p:cNvPr>
+          <p:cNvSpPr>
+            <a:spLocks noGrp="1"/>
+          </p:cNvSpPr>
+          <p:nvPr>
+            <p:ph type="sldNum" sz="quarter" idx="12"/>
+          </p:nvPr>
+        </p:nvSpPr>
+        <p:spPr/>
+        <p:txBody>
+          <a:bodyPr/>
+          <a:lstStyle/>
+          <a:p>
+            <a:fld id="{EB26B2EB-5A5B-4471-9DF8-C9AE5CC20329}" type="slidenum">
+              <a:rPr lang="en-US" smtClean="0"/>
+              <a:t>6</a:t>
+            </a:fld>
+            <a:endParaRPr lang="en-US"/>
+          </a:p>
+        </p:txBody>
+      </p:sp>
+    </p:spTree>
+    <p:extLst>
+      <p:ext uri="{BB962C8B-B14F-4D97-AF65-F5344CB8AC3E}">
+        <p14:creationId xmlns:p14="http://schemas.microsoft.com/office/powerpoint/2010/main" val="1676770799"/>
+      </p:ext>
+    </p:extLst>
+  </p:cSld>
+  <p:clrMapOvr>
+    <a:masterClrMapping/>
+  </p:clrMapOvr>
+</p:sld>
+</file>
+
+<file path=ppt/slides/slide7.xml><?xml version="1.0" encoding="utf-8"?>
+<p:sld xmlns:a="http://schemas.openxmlformats.org/drawingml/2006/main" xmlns:r="http://schemas.openxmlformats.org/officeDocument/2006/relationships" xmlns:p="http://schemas.openxmlformats.org/presentationml/2006/main">
+  <p:cSld>
+    <p:spTree>
+      <p:nvGrpSpPr>
+        <p:cNvPr id="1" name=""/>
+        <p:cNvGrpSpPr/>
+        <p:nvPr/>
+      </p:nvGrpSpPr>
+      <p:grpSpPr>
+        <a:xfrm>
+          <a:off x="0" y="0"/>
+          <a:ext cx="0" cy="0"/>
+          <a:chOff x="0" y="0"/>
+          <a:chExt cx="0" cy="0"/>
+        </a:xfrm>
+      </p:grpSpPr>
+      <p:sp>
+        <p:nvSpPr>
+          <p:cNvPr id="2" name="Title 1">
+            <a:extLst>
+              <a:ext uri="{FF2B5EF4-FFF2-40B4-BE49-F238E27FC236}">
+                <a16:creationId xmlns:a16="http://schemas.microsoft.com/office/drawing/2014/main" id="{3EC42647-42C8-4F3C-B6D3-53EF81FD7587}"/>
+              </a:ext>
+            </a:extLst>
+          </p:cNvPr>
+          <p:cNvSpPr>
+            <a:spLocks noGrp="1"/>
+          </p:cNvSpPr>
+          <p:nvPr>
+            <p:ph type="title"/>
+          </p:nvPr>
+        </p:nvSpPr>
+        <p:spPr/>
+        <p:txBody>
+          <a:bodyPr/>
+          <a:lstStyle/>
+          <a:p>
+            <a:r>
+              <a:rPr lang="en-US" dirty="0"/>
+              <a:t>What I want to do (Cont.)</a:t>
+            </a:r>
+          </a:p>
+        </p:txBody>
+      </p:sp>
+      <p:sp>
+        <p:nvSpPr>
+          <p:cNvPr id="3" name="Content Placeholder 2">
+            <a:extLst>
+              <a:ext uri="{FF2B5EF4-FFF2-40B4-BE49-F238E27FC236}">
+                <a16:creationId xmlns:a16="http://schemas.microsoft.com/office/drawing/2014/main" id="{641A0386-22FD-4DBE-A24B-625F9E650B41}"/>
+              </a:ext>
+            </a:extLst>
+          </p:cNvPr>
+          <p:cNvSpPr>
+            <a:spLocks noGrp="1"/>
+          </p:cNvSpPr>
+          <p:nvPr>
+            <p:ph idx="1"/>
+          </p:nvPr>
+        </p:nvSpPr>
+        <p:spPr/>
+        <p:txBody>
+          <a:bodyPr/>
+          <a:lstStyle/>
+          <a:p>
+            <a:pPr lvl="1"/>
+            <a:r>
+              <a:rPr lang="en-US" sz="2000" dirty="0"/>
+              <a:t>User will add study topic to question to reach correct people</a:t>
+            </a:r>
+          </a:p>
+          <a:p>
+            <a:pPr lvl="1"/>
+            <a:r>
+              <a:rPr lang="en-US" sz="2000" dirty="0"/>
+              <a:t>User will gain reputation based on number votes on answer.</a:t>
+            </a:r>
+          </a:p>
+          <a:p>
+            <a:pPr lvl="1"/>
+            <a:r>
+              <a:rPr lang="en-US" sz="2000" dirty="0"/>
+              <a:t>User will lose reputation based on number of down-votes</a:t>
+            </a:r>
+          </a:p>
+          <a:p>
+            <a:pPr lvl="1"/>
+            <a:r>
+              <a:rPr lang="en-US" sz="2000" dirty="0"/>
+              <a:t>If question exceeds maximum level down-vote it will be closed</a:t>
+            </a:r>
+          </a:p>
+        </p:txBody>
+      </p:sp>
+      <p:sp>
+        <p:nvSpPr>
+          <p:cNvPr id="4" name="Slide Number Placeholder 3">
+            <a:extLst>
+              <a:ext uri="{FF2B5EF4-FFF2-40B4-BE49-F238E27FC236}">
+                <a16:creationId xmlns:a16="http://schemas.microsoft.com/office/drawing/2014/main" id="{896DB0FC-210F-46E1-87BB-8EAF3B0B835C}"/>
+              </a:ext>
+            </a:extLst>
+          </p:cNvPr>
+          <p:cNvSpPr>
+            <a:spLocks noGrp="1"/>
+          </p:cNvSpPr>
+          <p:nvPr>
+            <p:ph type="sldNum" sz="quarter" idx="12"/>
+          </p:nvPr>
+        </p:nvSpPr>
+        <p:spPr/>
+        <p:txBody>
+          <a:bodyPr/>
+          <a:lstStyle/>
+          <a:p>
+            <a:fld id="{EB26B2EB-5A5B-4471-9DF8-C9AE5CC20329}" type="slidenum">
+              <a:rPr lang="en-US" smtClean="0"/>
+              <a:t>7</a:t>
+            </a:fld>
+            <a:endParaRPr lang="en-US"/>
+          </a:p>
+        </p:txBody>
+      </p:sp>
+    </p:spTree>
+    <p:extLst>
+      <p:ext uri="{BB962C8B-B14F-4D97-AF65-F5344CB8AC3E}">
+        <p14:creationId xmlns:p14="http://schemas.microsoft.com/office/powerpoint/2010/main" val="3190350376"/>
+      </p:ext>
+    </p:extLst>
+  </p:cSld>
+  <p:clrMapOvr>
+    <a:masterClrMapping/>
+  </p:clrMapOvr>
+</p:sld>
+</file>
+
+<file path=ppt/slides/slide8.xml><?xml version="1.0" encoding="utf-8"?>
+<p:sld xmlns:a="http://schemas.openxmlformats.org/drawingml/2006/main" xmlns:r="http://schemas.openxmlformats.org/officeDocument/2006/relationships" xmlns:p="http://schemas.openxmlformats.org/presentationml/2006/main">
+  <p:cSld>
+    <p:spTree>
+      <p:nvGrpSpPr>
+        <p:cNvPr id="1" name=""/>
+        <p:cNvGrpSpPr/>
+        <p:nvPr/>
+      </p:nvGrpSpPr>
+      <p:grpSpPr>
+        <a:xfrm>
+          <a:off x="0" y="0"/>
+          <a:ext cx="0" cy="0"/>
+          <a:chOff x="0" y="0"/>
+          <a:chExt cx="0" cy="0"/>
+        </a:xfrm>
+      </p:grpSpPr>
+      <p:sp>
+        <p:nvSpPr>
+          <p:cNvPr id="5" name="Title 4">
+            <a:extLst>
+              <a:ext uri="{FF2B5EF4-FFF2-40B4-BE49-F238E27FC236}">
+                <a16:creationId xmlns:a16="http://schemas.microsoft.com/office/drawing/2014/main" id="{BE6598DD-EDA1-4263-959E-85E38D97F02E}"/>
+              </a:ext>
+            </a:extLst>
+          </p:cNvPr>
+          <p:cNvSpPr>
+            <a:spLocks noGrp="1"/>
+          </p:cNvSpPr>
+          <p:nvPr>
+            <p:ph type="title"/>
+          </p:nvPr>
+        </p:nvSpPr>
+        <p:spPr>
+          <a:xfrm>
+            <a:off x="1294362" y="2806313"/>
+            <a:ext cx="9603275" cy="1049235"/>
+          </a:xfrm>
+        </p:spPr>
+        <p:txBody>
+          <a:bodyPr/>
+          <a:lstStyle/>
+          <a:p>
+            <a:pPr algn="ctr"/>
+            <a:r>
+              <a:rPr lang="en-US" dirty="0"/>
+              <a:t>Thank you</a:t>
+            </a:r>
+          </a:p>
+        </p:txBody>
+      </p:sp>
+      <p:sp>
+        <p:nvSpPr>
+          <p:cNvPr id="4" name="Slide Number Placeholder 3">
+            <a:extLst>
+              <a:ext uri="{FF2B5EF4-FFF2-40B4-BE49-F238E27FC236}">
+                <a16:creationId xmlns:a16="http://schemas.microsoft.com/office/drawing/2014/main" id="{FB8C8703-29DA-4291-9D4B-8072798D14A5}"/>
+              </a:ext>
+            </a:extLst>
+          </p:cNvPr>
+          <p:cNvSpPr>
+            <a:spLocks noGrp="1"/>
+          </p:cNvSpPr>
+          <p:nvPr>
+            <p:ph type="sldNum" sz="quarter" idx="12"/>
+          </p:nvPr>
+        </p:nvSpPr>
+        <p:spPr/>
+        <p:txBody>
+          <a:bodyPr/>
+          <a:lstStyle/>
+          <a:p>
+            <a:fld id="{EB26B2EB-5A5B-4471-9DF8-C9AE5CC20329}" type="slidenum">
+              <a:rPr lang="en-US" smtClean="0"/>
+              <a:t>8</a:t>
+            </a:fld>
+            <a:endParaRPr lang="en-US"/>
+          </a:p>
+        </p:txBody>
+      </p:sp>
+    </p:spTree>
+    <p:extLst>
+      <p:ext uri="{BB962C8B-B14F-4D97-AF65-F5344CB8AC3E}">
+        <p14:creationId xmlns:p14="http://schemas.microsoft.com/office/powerpoint/2010/main" val="4174871777"/>
       </p:ext>
     </p:extLst>
   </p:cSld>
@@ -3385,6 +5117,259 @@
 </file>
 
 <file path=ppt/theme/theme1.xml><?xml version="1.0" encoding="utf-8"?>
+<a:theme xmlns:a="http://schemas.openxmlformats.org/drawingml/2006/main" name="Gallery">
+  <a:themeElements>
+    <a:clrScheme name="Gallery">
+      <a:dk1>
+        <a:sysClr val="windowText" lastClr="000000"/>
+      </a:dk1>
+      <a:lt1>
+        <a:sysClr val="window" lastClr="FFFFFF"/>
+      </a:lt1>
+      <a:dk2>
+        <a:srgbClr val="454545"/>
+      </a:dk2>
+      <a:lt2>
+        <a:srgbClr val="DFDBD5"/>
+      </a:lt2>
+      <a:accent1>
+        <a:srgbClr val="B71E42"/>
+      </a:accent1>
+      <a:accent2>
+        <a:srgbClr val="DE478E"/>
+      </a:accent2>
+      <a:accent3>
+        <a:srgbClr val="BC72F0"/>
+      </a:accent3>
+      <a:accent4>
+        <a:srgbClr val="795FAF"/>
+      </a:accent4>
+      <a:accent5>
+        <a:srgbClr val="586EA6"/>
+      </a:accent5>
+      <a:accent6>
+        <a:srgbClr val="6892A0"/>
+      </a:accent6>
+      <a:hlink>
+        <a:srgbClr val="FA2B5C"/>
+      </a:hlink>
+      <a:folHlink>
+        <a:srgbClr val="BC658E"/>
+      </a:folHlink>
+    </a:clrScheme>
+    <a:fontScheme name="Gallery">
+      <a:majorFont>
+        <a:latin typeface="Gill Sans MT" panose="020B0502020104020203"/>
+        <a:ea typeface=""/>
+        <a:cs typeface=""/>
+        <a:font script="Jpan" typeface="游ゴシック Light"/>
+        <a:font script="Hang" typeface="맑은 고딕"/>
+        <a:font script="Hans" typeface="等线 Light"/>
+        <a:font script="Hant" typeface="新細明體"/>
+        <a:font script="Arab" typeface="Times New Roman"/>
+        <a:font script="Hebr" typeface="Times New Roman"/>
+        <a:font script="Thai" typeface="Angsana New"/>
+        <a:font script="Ethi" typeface="Nyala"/>
+        <a:font script="Beng" typeface="Vrinda"/>
+        <a:font script="Gujr" typeface="Shruti"/>
+        <a:font script="Khmr" typeface="MoolBoran"/>
+        <a:font script="Knda" typeface="Tunga"/>
+        <a:font script="Guru" typeface="Raavi"/>
+        <a:font script="Cans" typeface="Euphemia"/>
+        <a:font script="Cher" typeface="Plantagenet Cherokee"/>
+        <a:font script="Yiii" typeface="Microsoft Yi Baiti"/>
+        <a:font script="Tibt" typeface="Microsoft Himalaya"/>
+        <a:font script="Thaa" typeface="MV Boli"/>
+        <a:font script="Deva" typeface="Mangal"/>
+        <a:font script="Telu" typeface="Gautami"/>
+        <a:font script="Taml" typeface="Latha"/>
+        <a:font script="Syrc" typeface="Estrangelo Edessa"/>
+        <a:font script="Orya" typeface="Kalinga"/>
+        <a:font script="Mlym" typeface="Kartika"/>
+        <a:font script="Laoo" typeface="DokChampa"/>
+        <a:font script="Sinh" typeface="Iskoola Pota"/>
+        <a:font script="Mong" typeface="Mongolian Baiti"/>
+        <a:font script="Viet" typeface="Times New Roman"/>
+        <a:font script="Uigh" typeface="Microsoft Uighur"/>
+        <a:font script="Geor" typeface="Sylfaen"/>
+      </a:majorFont>
+      <a:minorFont>
+        <a:latin typeface="Gill Sans MT" panose="020B0502020104020203"/>
+        <a:ea typeface=""/>
+        <a:cs typeface=""/>
+        <a:font script="Jpan" typeface="游ゴシック"/>
+        <a:font script="Hang" typeface="맑은 고딕"/>
+        <a:font script="Hans" typeface="等线"/>
+        <a:font script="Hant" typeface="新細明體"/>
+        <a:font script="Arab" typeface="Arial"/>
+        <a:font script="Hebr" typeface="Arial"/>
+        <a:font script="Thai" typeface="Cordia New"/>
+        <a:font script="Ethi" typeface="Nyala"/>
+        <a:font script="Beng" typeface="Vrinda"/>
+        <a:font script="Gujr" typeface="Shruti"/>
+        <a:font script="Khmr" typeface="DaunPenh"/>
+        <a:font script="Knda" typeface="Tunga"/>
+        <a:font script="Guru" typeface="Raavi"/>
+        <a:font script="Cans" typeface="Euphemia"/>
+        <a:font script="Cher" typeface="Plantagenet Cherokee"/>
+        <a:font script="Yiii" typeface="Microsoft Yi Baiti"/>
+        <a:font script="Tibt" typeface="Microsoft Himalaya"/>
+        <a:font script="Thaa" typeface="MV Boli"/>
+        <a:font script="Deva" typeface="Mangal"/>
+        <a:font script="Telu" typeface="Gautami"/>
+        <a:font script="Taml" typeface="Latha"/>
+        <a:font script="Syrc" typeface="Estrangelo Edessa"/>
+        <a:font script="Orya" typeface="Kalinga"/>
+        <a:font script="Mlym" typeface="Kartika"/>
+        <a:font script="Laoo" typeface="DokChampa"/>
+        <a:font script="Sinh" typeface="Iskoola Pota"/>
+        <a:font script="Mong" typeface="Mongolian Baiti"/>
+        <a:font script="Viet" typeface="Arial"/>
+        <a:font script="Uigh" typeface="Microsoft Uighur"/>
+        <a:font script="Geor" typeface="Sylfaen"/>
+      </a:minorFont>
+    </a:fontScheme>
+    <a:fmtScheme name="Gallery">
+      <a:fillStyleLst>
+        <a:solidFill>
+          <a:schemeClr val="phClr"/>
+        </a:solidFill>
+        <a:gradFill rotWithShape="1">
+          <a:gsLst>
+            <a:gs pos="0">
+              <a:schemeClr val="phClr">
+                <a:tint val="54000"/>
+                <a:alpha val="100000"/>
+                <a:satMod val="105000"/>
+                <a:lumMod val="110000"/>
+              </a:schemeClr>
+            </a:gs>
+            <a:gs pos="100000">
+              <a:schemeClr val="phClr">
+                <a:tint val="78000"/>
+                <a:alpha val="92000"/>
+                <a:satMod val="109000"/>
+                <a:lumMod val="100000"/>
+              </a:schemeClr>
+            </a:gs>
+          </a:gsLst>
+          <a:lin ang="5400000" scaled="0"/>
+        </a:gradFill>
+        <a:gradFill rotWithShape="1">
+          <a:gsLst>
+            <a:gs pos="0">
+              <a:schemeClr val="phClr">
+                <a:tint val="98000"/>
+                <a:satMod val="110000"/>
+                <a:lumMod val="104000"/>
+              </a:schemeClr>
+            </a:gs>
+            <a:gs pos="69000">
+              <a:schemeClr val="phClr">
+                <a:shade val="88000"/>
+                <a:satMod val="130000"/>
+                <a:lumMod val="92000"/>
+              </a:schemeClr>
+            </a:gs>
+            <a:gs pos="100000">
+              <a:schemeClr val="phClr">
+                <a:shade val="78000"/>
+                <a:satMod val="130000"/>
+                <a:lumMod val="92000"/>
+              </a:schemeClr>
+            </a:gs>
+          </a:gsLst>
+          <a:lin ang="5400000" scaled="0"/>
+        </a:gradFill>
+      </a:fillStyleLst>
+      <a:lnStyleLst>
+        <a:ln w="9525" cap="flat" cmpd="sng" algn="ctr">
+          <a:solidFill>
+            <a:schemeClr val="phClr"/>
+          </a:solidFill>
+          <a:prstDash val="solid"/>
+        </a:ln>
+        <a:ln w="15875" cap="flat" cmpd="sng" algn="ctr">
+          <a:solidFill>
+            <a:schemeClr val="phClr"/>
+          </a:solidFill>
+          <a:prstDash val="solid"/>
+        </a:ln>
+        <a:ln w="22225" cap="flat" cmpd="sng" algn="ctr">
+          <a:solidFill>
+            <a:schemeClr val="phClr"/>
+          </a:solidFill>
+          <a:prstDash val="solid"/>
+        </a:ln>
+      </a:lnStyleLst>
+      <a:effectStyleLst>
+        <a:effectStyle>
+          <a:effectLst/>
+        </a:effectStyle>
+        <a:effectStyle>
+          <a:effectLst/>
+        </a:effectStyle>
+        <a:effectStyle>
+          <a:effectLst>
+            <a:outerShdw blurRad="50800" dist="50800" dir="5400000" sx="96000" sy="96000" rotWithShape="0">
+              <a:srgbClr val="000000">
+                <a:alpha val="48000"/>
+              </a:srgbClr>
+            </a:outerShdw>
+          </a:effectLst>
+          <a:scene3d>
+            <a:camera prst="orthographicFront">
+              <a:rot lat="0" lon="0" rev="0"/>
+            </a:camera>
+            <a:lightRig rig="balanced" dir="t">
+              <a:rot lat="0" lon="0" rev="1080000"/>
+            </a:lightRig>
+          </a:scene3d>
+          <a:sp3d>
+            <a:bevelT w="38100" h="12700" prst="softRound"/>
+          </a:sp3d>
+        </a:effectStyle>
+      </a:effectStyleLst>
+      <a:bgFillStyleLst>
+        <a:solidFill>
+          <a:schemeClr val="phClr"/>
+        </a:solidFill>
+        <a:solidFill>
+          <a:schemeClr val="phClr"/>
+        </a:solidFill>
+        <a:gradFill rotWithShape="1">
+          <a:gsLst>
+            <a:gs pos="0">
+              <a:schemeClr val="phClr">
+                <a:tint val="94000"/>
+                <a:satMod val="80000"/>
+                <a:lumMod val="106000"/>
+              </a:schemeClr>
+            </a:gs>
+            <a:gs pos="100000">
+              <a:schemeClr val="phClr">
+                <a:shade val="80000"/>
+              </a:schemeClr>
+            </a:gs>
+          </a:gsLst>
+          <a:path path="circle">
+            <a:fillToRect l="43000" r="43000" b="100000"/>
+          </a:path>
+        </a:gradFill>
+      </a:bgFillStyleLst>
+    </a:fmtScheme>
+  </a:themeElements>
+  <a:objectDefaults/>
+  <a:extraClrSchemeLst/>
+  <a:extLst>
+    <a:ext uri="{05A4C25C-085E-4340-85A3-A5531E510DB2}">
+      <thm15:themeFamily xmlns:thm15="http://schemas.microsoft.com/office/thememl/2012/main" name="Gallery" id="{BBFCD31E-59A1-489D-B089-A3EAD7CAE12E}" vid="{F5E91637-A7B6-4E27-B710-77DA7014EE1E}"/>
+    </a:ext>
+  </a:extLst>
+</a:theme>
+</file>
+
+<file path=ppt/theme/theme2.xml><?xml version="1.0" encoding="utf-8"?>
 <a:theme xmlns:a="http://schemas.openxmlformats.org/drawingml/2006/main" name="Office Theme">
   <a:themeElements>
     <a:clrScheme name="Office">
